--- a/Presentations/Занятие 4.pptx
+++ b/Presentations/Занятие 4.pptx
@@ -5,21 +5,27 @@
     <p:sldMasterId id="2147483648" r:id="rId1"/>
   </p:sldMasterIdLst>
   <p:notesMasterIdLst>
-    <p:notesMasterId r:id="rId14"/>
+    <p:notesMasterId r:id="rId20"/>
   </p:notesMasterIdLst>
   <p:sldIdLst>
     <p:sldId id="256" r:id="rId2"/>
     <p:sldId id="257" r:id="rId3"/>
     <p:sldId id="258" r:id="rId4"/>
     <p:sldId id="279" r:id="rId5"/>
-    <p:sldId id="262" r:id="rId6"/>
-    <p:sldId id="263" r:id="rId7"/>
-    <p:sldId id="280" r:id="rId8"/>
-    <p:sldId id="285" r:id="rId9"/>
-    <p:sldId id="281" r:id="rId10"/>
-    <p:sldId id="282" r:id="rId11"/>
-    <p:sldId id="286" r:id="rId12"/>
-    <p:sldId id="287" r:id="rId13"/>
+    <p:sldId id="259" r:id="rId6"/>
+    <p:sldId id="260" r:id="rId7"/>
+    <p:sldId id="267" r:id="rId8"/>
+    <p:sldId id="268" r:id="rId9"/>
+    <p:sldId id="261" r:id="rId10"/>
+    <p:sldId id="269" r:id="rId11"/>
+    <p:sldId id="262" r:id="rId12"/>
+    <p:sldId id="263" r:id="rId13"/>
+    <p:sldId id="280" r:id="rId14"/>
+    <p:sldId id="281" r:id="rId15"/>
+    <p:sldId id="282" r:id="rId16"/>
+    <p:sldId id="283" r:id="rId17"/>
+    <p:sldId id="284" r:id="rId18"/>
+    <p:sldId id="285" r:id="rId19"/>
   </p:sldIdLst>
   <p:sldSz cx="12192000" cy="6858000"/>
   <p:notesSz cx="6858000" cy="9144000"/>
@@ -234,7 +240,7 @@
           <a:p>
             <a:fld id="{5FC6800F-F77B-4E37-9455-C74E3CC59F23}" type="datetimeFigureOut">
               <a:rPr lang="en-GB" smtClean="0"/>
-              <a:t>21/03/2016</a:t>
+              <a:t>20/03/2016</a:t>
             </a:fld>
             <a:endParaRPr lang="en-GB"/>
           </a:p>
@@ -651,7 +657,7 @@
           <a:p>
             <a:fld id="{8F6A3D4D-7E3A-4755-99AC-75200A9386BA}" type="slidenum">
               <a:rPr lang="en-GB" smtClean="0"/>
-              <a:t>5</a:t>
+              <a:t>11</a:t>
             </a:fld>
             <a:endParaRPr lang="en-GB"/>
           </a:p>
@@ -661,6 +667,90 @@
     <p:extLst>
       <p:ext uri="{BB962C8B-B14F-4D97-AF65-F5344CB8AC3E}">
         <p14:creationId xmlns:p14="http://schemas.microsoft.com/office/powerpoint/2010/main" val="1118459086"/>
+      </p:ext>
+    </p:extLst>
+  </p:cSld>
+  <p:clrMapOvr>
+    <a:masterClrMapping/>
+  </p:clrMapOvr>
+</p:notes>
+</file>
+
+<file path=ppt/notesSlides/notesSlide3.xml><?xml version="1.0" encoding="utf-8"?>
+<p:notes xmlns:a="http://schemas.openxmlformats.org/drawingml/2006/main" xmlns:r="http://schemas.openxmlformats.org/officeDocument/2006/relationships" xmlns:p="http://schemas.openxmlformats.org/presentationml/2006/main">
+  <p:cSld>
+    <p:spTree>
+      <p:nvGrpSpPr>
+        <p:cNvPr id="1" name=""/>
+        <p:cNvGrpSpPr/>
+        <p:nvPr/>
+      </p:nvGrpSpPr>
+      <p:grpSpPr>
+        <a:xfrm>
+          <a:off x="0" y="0"/>
+          <a:ext cx="0" cy="0"/>
+          <a:chOff x="0" y="0"/>
+          <a:chExt cx="0" cy="0"/>
+        </a:xfrm>
+      </p:grpSpPr>
+      <p:sp>
+        <p:nvSpPr>
+          <p:cNvPr id="2" name="Образ слайда 1"/>
+          <p:cNvSpPr>
+            <a:spLocks noGrp="1" noRot="1" noChangeAspect="1"/>
+          </p:cNvSpPr>
+          <p:nvPr>
+            <p:ph type="sldImg"/>
+          </p:nvPr>
+        </p:nvSpPr>
+        <p:spPr/>
+      </p:sp>
+      <p:sp>
+        <p:nvSpPr>
+          <p:cNvPr id="3" name="Заметки 2"/>
+          <p:cNvSpPr>
+            <a:spLocks noGrp="1"/>
+          </p:cNvSpPr>
+          <p:nvPr>
+            <p:ph type="body" idx="1"/>
+          </p:nvPr>
+        </p:nvSpPr>
+        <p:spPr/>
+        <p:txBody>
+          <a:bodyPr/>
+          <a:lstStyle/>
+          <a:p>
+            <a:endParaRPr lang="en-GB"/>
+          </a:p>
+        </p:txBody>
+      </p:sp>
+      <p:sp>
+        <p:nvSpPr>
+          <p:cNvPr id="4" name="Номер слайда 3"/>
+          <p:cNvSpPr>
+            <a:spLocks noGrp="1"/>
+          </p:cNvSpPr>
+          <p:nvPr>
+            <p:ph type="sldNum" sz="quarter" idx="10"/>
+          </p:nvPr>
+        </p:nvSpPr>
+        <p:spPr/>
+        <p:txBody>
+          <a:bodyPr/>
+          <a:lstStyle/>
+          <a:p>
+            <a:fld id="{8F6A3D4D-7E3A-4755-99AC-75200A9386BA}" type="slidenum">
+              <a:rPr lang="en-GB" smtClean="0"/>
+              <a:t>17</a:t>
+            </a:fld>
+            <a:endParaRPr lang="en-GB"/>
+          </a:p>
+        </p:txBody>
+      </p:sp>
+    </p:spTree>
+    <p:extLst>
+      <p:ext uri="{BB962C8B-B14F-4D97-AF65-F5344CB8AC3E}">
+        <p14:creationId xmlns:p14="http://schemas.microsoft.com/office/powerpoint/2010/main" val="2957594470"/>
       </p:ext>
     </p:extLst>
   </p:cSld>
@@ -3619,9 +3709,10 @@
           <a:lstStyle/>
           <a:p>
             <a:r>
-              <a:rPr lang="en-US" dirty="0" smtClean="0"/>
-              <a:t>View</a:t>
-            </a:r>
+              <a:rPr lang="ru-RU" dirty="0" smtClean="0"/>
+              <a:t>Разработка контроллеров</a:t>
+            </a:r>
+            <a:endParaRPr lang="en-US" dirty="0" smtClean="0"/>
           </a:p>
           <a:p>
             <a:endParaRPr lang="en-GB" dirty="0"/>
@@ -3681,44 +3772,8 @@
           <a:lstStyle/>
           <a:p>
             <a:r>
-              <a:rPr lang="en-US" dirty="0" err="1" smtClean="0"/>
-              <a:t>DisplayAttribute</a:t>
-            </a:r>
-            <a:endParaRPr lang="en-GB" dirty="0"/>
-          </a:p>
-        </p:txBody>
-      </p:sp>
-      <p:sp>
-        <p:nvSpPr>
-          <p:cNvPr id="3" name="Объект 2"/>
-          <p:cNvSpPr>
-            <a:spLocks noGrp="1"/>
-          </p:cNvSpPr>
-          <p:nvPr>
-            <p:ph idx="1"/>
-          </p:nvPr>
-        </p:nvSpPr>
-        <p:spPr>
-          <a:xfrm>
-            <a:off x="838200" y="1825625"/>
-            <a:ext cx="10515600" cy="605155"/>
-          </a:xfrm>
-        </p:spPr>
-        <p:txBody>
-          <a:bodyPr/>
-          <a:lstStyle/>
-          <a:p>
-            <a:r>
-              <a:rPr lang="ru-RU" dirty="0" smtClean="0"/>
-              <a:t>Используем </a:t>
-            </a:r>
-            <a:r>
               <a:rPr lang="en-US" dirty="0" smtClean="0"/>
-              <a:t>Attribute Routing </a:t>
-            </a:r>
-            <a:r>
-              <a:rPr lang="ru-RU" dirty="0" smtClean="0"/>
-              <a:t>вместо отдельного файла</a:t>
+              <a:t>MVC</a:t>
             </a:r>
             <a:endParaRPr lang="en-GB" dirty="0"/>
           </a:p>
@@ -3801,24 +3856,22 @@
         </p:nvSpPr>
         <p:spPr>
           <a:xfrm>
-            <a:off x="1127760" y="2659380"/>
-            <a:ext cx="8023860" cy="281940"/>
+            <a:off x="6580917" y="2374880"/>
+            <a:ext cx="4059365" cy="771779"/>
           </a:xfrm>
           <a:prstGeom prst="rect">
             <a:avLst/>
           </a:prstGeom>
         </p:spPr>
         <p:style>
-          <a:lnRef idx="2">
-            <a:schemeClr val="accent5">
-              <a:shade val="50000"/>
-            </a:schemeClr>
+          <a:lnRef idx="3">
+            <a:schemeClr val="lt1"/>
           </a:lnRef>
           <a:fillRef idx="1">
-            <a:schemeClr val="accent5"/>
+            <a:schemeClr val="accent1"/>
           </a:fillRef>
-          <a:effectRef idx="0">
-            <a:schemeClr val="accent5"/>
+          <a:effectRef idx="1">
+            <a:schemeClr val="accent1"/>
           </a:effectRef>
           <a:fontRef idx="minor">
             <a:schemeClr val="lt1"/>
@@ -3829,40 +3882,154 @@
           <a:lstStyle/>
           <a:p>
             <a:pPr algn="ctr"/>
-            <a:endParaRPr lang="en-GB"/>
-          </a:p>
-        </p:txBody>
-      </p:sp>
-      <p:sp>
-        <p:nvSpPr>
-          <p:cNvPr id="8" name="TextBox 7"/>
-          <p:cNvSpPr txBox="1"/>
+            <a:r>
+              <a:rPr lang="en-US" dirty="0" smtClean="0"/>
+              <a:t>Controller</a:t>
+            </a:r>
+          </a:p>
+        </p:txBody>
+      </p:sp>
+      <p:sp>
+        <p:nvSpPr>
+          <p:cNvPr id="10" name="Стрелка вправо 9"/>
+          <p:cNvSpPr/>
           <p:nvPr/>
         </p:nvSpPr>
         <p:spPr>
           <a:xfrm>
-            <a:off x="1127760" y="2941320"/>
-            <a:ext cx="8023860" cy="1754326"/>
+            <a:off x="3455346" y="2425443"/>
+            <a:ext cx="2190482" cy="721216"/>
+          </a:xfrm>
+          <a:prstGeom prst="rightArrow">
+            <a:avLst/>
+          </a:prstGeom>
+        </p:spPr>
+        <p:style>
+          <a:lnRef idx="3">
+            <a:schemeClr val="lt1"/>
+          </a:lnRef>
+          <a:fillRef idx="1">
+            <a:schemeClr val="accent6"/>
+          </a:fillRef>
+          <a:effectRef idx="1">
+            <a:schemeClr val="accent6"/>
+          </a:effectRef>
+          <a:fontRef idx="minor">
+            <a:schemeClr val="lt1"/>
+          </a:fontRef>
+        </p:style>
+        <p:txBody>
+          <a:bodyPr rtlCol="0" anchor="ctr"/>
+          <a:lstStyle/>
+          <a:p>
+            <a:pPr algn="ctr"/>
+            <a:r>
+              <a:rPr lang="en-US" dirty="0" smtClean="0"/>
+              <a:t>Request</a:t>
+            </a:r>
+            <a:endParaRPr lang="en-GB" dirty="0"/>
+          </a:p>
+        </p:txBody>
+      </p:sp>
+      <p:sp>
+        <p:nvSpPr>
+          <p:cNvPr id="11" name="Стрелка вправо 10"/>
+          <p:cNvSpPr/>
+          <p:nvPr/>
+        </p:nvSpPr>
+        <p:spPr>
+          <a:xfrm flipH="1">
+            <a:off x="3455346" y="4561255"/>
+            <a:ext cx="2190482" cy="721216"/>
+          </a:xfrm>
+          <a:prstGeom prst="rightArrow">
+            <a:avLst/>
+          </a:prstGeom>
+        </p:spPr>
+        <p:style>
+          <a:lnRef idx="3">
+            <a:schemeClr val="lt1"/>
+          </a:lnRef>
+          <a:fillRef idx="1">
+            <a:schemeClr val="accent6"/>
+          </a:fillRef>
+          <a:effectRef idx="1">
+            <a:schemeClr val="accent6"/>
+          </a:effectRef>
+          <a:fontRef idx="minor">
+            <a:schemeClr val="lt1"/>
+          </a:fontRef>
+        </p:style>
+        <p:txBody>
+          <a:bodyPr rtlCol="0" anchor="ctr"/>
+          <a:lstStyle/>
+          <a:p>
+            <a:pPr algn="ctr"/>
+            <a:r>
+              <a:rPr lang="en-US" dirty="0" smtClean="0"/>
+              <a:t>Response</a:t>
+            </a:r>
+            <a:endParaRPr lang="en-GB" dirty="0"/>
+          </a:p>
+        </p:txBody>
+      </p:sp>
+      <p:sp>
+        <p:nvSpPr>
+          <p:cNvPr id="12" name="Прямоугольник 11"/>
+          <p:cNvSpPr/>
+          <p:nvPr/>
+        </p:nvSpPr>
+        <p:spPr>
+          <a:xfrm>
+            <a:off x="6580918" y="4510692"/>
+            <a:ext cx="4059364" cy="771779"/>
           </a:xfrm>
           <a:prstGeom prst="rect">
             <a:avLst/>
           </a:prstGeom>
-          <a:ln/>
         </p:spPr>
         <p:style>
-          <a:lnRef idx="2">
-            <a:schemeClr val="accent5"/>
+          <a:lnRef idx="3">
+            <a:schemeClr val="lt1"/>
           </a:lnRef>
           <a:fillRef idx="1">
-            <a:schemeClr val="lt1"/>
+            <a:schemeClr val="accent1"/>
           </a:fillRef>
-          <a:effectRef idx="0">
-            <a:schemeClr val="accent5"/>
+          <a:effectRef idx="1">
+            <a:schemeClr val="accent1"/>
           </a:effectRef>
           <a:fontRef idx="minor">
-            <a:schemeClr val="dk1"/>
+            <a:schemeClr val="lt1"/>
           </a:fontRef>
         </p:style>
+        <p:txBody>
+          <a:bodyPr rtlCol="0" anchor="ctr"/>
+          <a:lstStyle/>
+          <a:p>
+            <a:pPr algn="ctr"/>
+            <a:r>
+              <a:rPr lang="en-US" dirty="0" smtClean="0"/>
+              <a:t>View</a:t>
+            </a:r>
+          </a:p>
+        </p:txBody>
+      </p:sp>
+      <p:sp>
+        <p:nvSpPr>
+          <p:cNvPr id="13" name="TextBox 12"/>
+          <p:cNvSpPr txBox="1"/>
+          <p:nvPr/>
+        </p:nvSpPr>
+        <p:spPr>
+          <a:xfrm>
+            <a:off x="6580918" y="1038851"/>
+            <a:ext cx="4059365" cy="1200329"/>
+          </a:xfrm>
+          <a:prstGeom prst="rect">
+            <a:avLst/>
+          </a:prstGeom>
+          <a:noFill/>
+        </p:spPr>
         <p:txBody>
           <a:bodyPr wrap="square" rtlCol="0">
             <a:spAutoFit/>
@@ -3870,311 +4037,333 @@
           <a:lstStyle/>
           <a:p>
             <a:r>
-              <a:rPr lang="en-GB" dirty="0">
+              <a:rPr lang="en-US" dirty="0" smtClean="0">
                 <a:solidFill>
-                  <a:srgbClr val="000000"/>
+                  <a:schemeClr val="accent1">
+                    <a:lumMod val="75000"/>
+                  </a:schemeClr>
                 </a:solidFill>
-                <a:highlight>
-                  <a:srgbClr val="FFFFFF"/>
-                </a:highlight>
-                <a:latin typeface="Consolas" panose="020B0609020204030204" pitchFamily="49" charset="0"/>
               </a:rPr>
-              <a:t>[</a:t>
-            </a:r>
-            <a:r>
-              <a:rPr lang="en-GB" dirty="0">
+              <a:t>Controller</a:t>
+            </a:r>
+          </a:p>
+          <a:p>
+            <a:r>
+              <a:rPr lang="ru-RU" dirty="0" smtClean="0"/>
+              <a:t>Реализует логику работы приложения</a:t>
+            </a:r>
+            <a:r>
+              <a:rPr lang="en-US" dirty="0" smtClean="0"/>
+              <a:t>.</a:t>
+            </a:r>
+            <a:endParaRPr lang="ru-RU" dirty="0" smtClean="0"/>
+          </a:p>
+          <a:p>
+            <a:r>
+              <a:rPr lang="ru-RU" dirty="0" smtClean="0"/>
+              <a:t>Готовит </a:t>
+            </a:r>
+            <a:r>
+              <a:rPr lang="en-US" dirty="0" smtClean="0">
                 <a:solidFill>
-                  <a:srgbClr val="2B91AF"/>
+                  <a:schemeClr val="accent1">
+                    <a:lumMod val="75000"/>
+                  </a:schemeClr>
                 </a:solidFill>
-                <a:highlight>
-                  <a:srgbClr val="FFFFFF"/>
-                </a:highlight>
-                <a:latin typeface="Consolas" panose="020B0609020204030204" pitchFamily="49" charset="0"/>
               </a:rPr>
-              <a:t>Route</a:t>
-            </a:r>
-            <a:r>
-              <a:rPr lang="en-GB" dirty="0" smtClean="0">
+              <a:t>Model</a:t>
+            </a:r>
+            <a:r>
+              <a:rPr lang="en-US" dirty="0" smtClean="0"/>
+              <a:t> </a:t>
+            </a:r>
+            <a:r>
+              <a:rPr lang="ru-RU" dirty="0" smtClean="0"/>
+              <a:t>для передачи ее в </a:t>
+            </a:r>
+            <a:r>
+              <a:rPr lang="en-US" dirty="0" smtClean="0">
                 <a:solidFill>
-                  <a:srgbClr val="000000"/>
+                  <a:schemeClr val="accent1">
+                    <a:lumMod val="75000"/>
+                  </a:schemeClr>
                 </a:solidFill>
-                <a:highlight>
-                  <a:srgbClr val="FFFFFF"/>
-                </a:highlight>
-                <a:latin typeface="Consolas" panose="020B0609020204030204" pitchFamily="49" charset="0"/>
               </a:rPr>
-              <a:t>(</a:t>
-            </a:r>
-            <a:r>
-              <a:rPr lang="en-GB" dirty="0">
+              <a:t>View</a:t>
+            </a:r>
+            <a:r>
+              <a:rPr lang="en-US" dirty="0" smtClean="0"/>
+              <a:t>.</a:t>
+            </a:r>
+            <a:endParaRPr lang="ru-RU" dirty="0" smtClean="0"/>
+          </a:p>
+          <a:p>
+            <a:r>
+              <a:rPr lang="en-US" dirty="0" smtClean="0"/>
+              <a:t>“Does Stuff”.</a:t>
+            </a:r>
+            <a:endParaRPr lang="en-GB" dirty="0"/>
+          </a:p>
+        </p:txBody>
+      </p:sp>
+      <p:sp>
+        <p:nvSpPr>
+          <p:cNvPr id="14" name="TextBox 13"/>
+          <p:cNvSpPr txBox="1"/>
+          <p:nvPr/>
+        </p:nvSpPr>
+        <p:spPr>
+          <a:xfrm>
+            <a:off x="6580918" y="5289025"/>
+            <a:ext cx="3307444" cy="923330"/>
+          </a:xfrm>
+          <a:prstGeom prst="rect">
+            <a:avLst/>
+          </a:prstGeom>
+          <a:noFill/>
+        </p:spPr>
+        <p:txBody>
+          <a:bodyPr wrap="none" rtlCol="0">
+            <a:spAutoFit/>
+          </a:bodyPr>
+          <a:lstStyle/>
+          <a:p>
+            <a:r>
+              <a:rPr lang="en-US" dirty="0" smtClean="0">
                 <a:solidFill>
-                  <a:srgbClr val="A31515"/>
+                  <a:schemeClr val="accent1">
+                    <a:lumMod val="75000"/>
+                  </a:schemeClr>
                 </a:solidFill>
-                <a:highlight>
-                  <a:srgbClr val="FFFFFF"/>
-                </a:highlight>
-                <a:latin typeface="Consolas" panose="020B0609020204030204" pitchFamily="49" charset="0"/>
               </a:rPr>
-              <a:t>“</a:t>
-            </a:r>
-            <a:r>
-              <a:rPr lang="en-GB" dirty="0" smtClean="0">
+              <a:t>View</a:t>
+            </a:r>
+          </a:p>
+          <a:p>
+            <a:r>
+              <a:rPr lang="ru-RU" dirty="0" smtClean="0"/>
+              <a:t>Пользовательский интерфейс.</a:t>
+            </a:r>
+          </a:p>
+          <a:p>
+            <a:r>
+              <a:rPr lang="ru-RU" dirty="0" smtClean="0"/>
+              <a:t>Визуально представляет </a:t>
+            </a:r>
+            <a:r>
+              <a:rPr lang="en-US" dirty="0" smtClean="0">
                 <a:solidFill>
-                  <a:srgbClr val="A31515"/>
+                  <a:schemeClr val="accent1">
+                    <a:lumMod val="75000"/>
+                  </a:schemeClr>
                 </a:solidFill>
-                <a:highlight>
-                  <a:srgbClr val="FFFFFF"/>
-                </a:highlight>
-                <a:latin typeface="Consolas" panose="020B0609020204030204" pitchFamily="49" charset="0"/>
               </a:rPr>
-              <a:t>applicants"</a:t>
-            </a:r>
-            <a:r>
-              <a:rPr lang="en-GB" dirty="0" smtClean="0">
-                <a:solidFill>
-                  <a:srgbClr val="000000"/>
-                </a:solidFill>
-                <a:highlight>
-                  <a:srgbClr val="FFFFFF"/>
-                </a:highlight>
-                <a:latin typeface="Consolas" panose="020B0609020204030204" pitchFamily="49" charset="0"/>
-              </a:rPr>
-              <a:t>)]</a:t>
-            </a:r>
-            <a:endParaRPr lang="en-GB" dirty="0">
-              <a:solidFill>
-                <a:srgbClr val="000000"/>
-              </a:solidFill>
-              <a:highlight>
-                <a:srgbClr val="FFFFFF"/>
-              </a:highlight>
-              <a:latin typeface="Consolas" panose="020B0609020204030204" pitchFamily="49" charset="0"/>
-            </a:endParaRPr>
-          </a:p>
-          <a:p>
-            <a:r>
-              <a:rPr lang="en-GB" dirty="0" smtClean="0">
-                <a:solidFill>
-                  <a:srgbClr val="0000FF"/>
-                </a:solidFill>
-                <a:highlight>
-                  <a:srgbClr val="FFFFFF"/>
-                </a:highlight>
-                <a:latin typeface="Consolas" panose="020B0609020204030204" pitchFamily="49" charset="0"/>
-              </a:rPr>
-              <a:t>public</a:t>
-            </a:r>
-            <a:r>
-              <a:rPr lang="en-GB" dirty="0" smtClean="0">
-                <a:solidFill>
-                  <a:srgbClr val="000000"/>
-                </a:solidFill>
-                <a:highlight>
-                  <a:srgbClr val="FFFFFF"/>
-                </a:highlight>
-                <a:latin typeface="Consolas" panose="020B0609020204030204" pitchFamily="49" charset="0"/>
-              </a:rPr>
-              <a:t> </a:t>
-            </a:r>
-            <a:r>
-              <a:rPr lang="en-GB" dirty="0" err="1">
-                <a:solidFill>
-                  <a:srgbClr val="2B91AF"/>
-                </a:solidFill>
-                <a:highlight>
-                  <a:srgbClr val="FFFFFF"/>
-                </a:highlight>
-                <a:latin typeface="Consolas" panose="020B0609020204030204" pitchFamily="49" charset="0"/>
-              </a:rPr>
-              <a:t>ActionResult</a:t>
-            </a:r>
-            <a:r>
-              <a:rPr lang="en-GB" dirty="0">
-                <a:solidFill>
-                  <a:srgbClr val="000000"/>
-                </a:solidFill>
-                <a:highlight>
-                  <a:srgbClr val="FFFFFF"/>
-                </a:highlight>
-                <a:latin typeface="Consolas" panose="020B0609020204030204" pitchFamily="49" charset="0"/>
-              </a:rPr>
-              <a:t> Index()</a:t>
-            </a:r>
-          </a:p>
-          <a:p>
-            <a:r>
-              <a:rPr lang="en-GB" dirty="0" smtClean="0">
-                <a:solidFill>
-                  <a:srgbClr val="000000"/>
-                </a:solidFill>
-                <a:highlight>
-                  <a:srgbClr val="FFFFFF"/>
-                </a:highlight>
-                <a:latin typeface="Consolas" panose="020B0609020204030204" pitchFamily="49" charset="0"/>
-              </a:rPr>
-              <a:t>{</a:t>
-            </a:r>
-            <a:endParaRPr lang="en-GB" dirty="0">
-              <a:solidFill>
-                <a:srgbClr val="000000"/>
-              </a:solidFill>
-              <a:highlight>
-                <a:srgbClr val="FFFFFF"/>
-              </a:highlight>
-              <a:latin typeface="Consolas" panose="020B0609020204030204" pitchFamily="49" charset="0"/>
-            </a:endParaRPr>
-          </a:p>
-          <a:p>
-            <a:r>
-              <a:rPr lang="en-GB" dirty="0" smtClean="0">
-                <a:solidFill>
-                  <a:srgbClr val="0000FF"/>
-                </a:solidFill>
-                <a:highlight>
-                  <a:srgbClr val="FFFFFF"/>
-                </a:highlight>
-                <a:latin typeface="Consolas" panose="020B0609020204030204" pitchFamily="49" charset="0"/>
-              </a:rPr>
-              <a:t>	</a:t>
-            </a:r>
-            <a:r>
-              <a:rPr lang="en-GB" dirty="0" err="1" smtClean="0">
-                <a:solidFill>
-                  <a:srgbClr val="0000FF"/>
-                </a:solidFill>
-                <a:highlight>
-                  <a:srgbClr val="FFFFFF"/>
-                </a:highlight>
-                <a:latin typeface="Consolas" panose="020B0609020204030204" pitchFamily="49" charset="0"/>
-              </a:rPr>
-              <a:t>var</a:t>
-            </a:r>
-            <a:r>
-              <a:rPr lang="en-GB" dirty="0" smtClean="0">
-                <a:solidFill>
-                  <a:srgbClr val="000000"/>
-                </a:solidFill>
-                <a:highlight>
-                  <a:srgbClr val="FFFFFF"/>
-                </a:highlight>
-                <a:latin typeface="Consolas" panose="020B0609020204030204" pitchFamily="49" charset="0"/>
-              </a:rPr>
-              <a:t> applicants= </a:t>
-            </a:r>
-            <a:r>
-              <a:rPr lang="en-GB" dirty="0" err="1" smtClean="0">
-                <a:solidFill>
-                  <a:srgbClr val="000000"/>
-                </a:solidFill>
-                <a:highlight>
-                  <a:srgbClr val="FFFFFF"/>
-                </a:highlight>
-                <a:latin typeface="Consolas" panose="020B0609020204030204" pitchFamily="49" charset="0"/>
-              </a:rPr>
-              <a:t>db.Applicants.ToList</a:t>
-            </a:r>
-            <a:r>
-              <a:rPr lang="en-GB" dirty="0" smtClean="0">
-                <a:solidFill>
-                  <a:srgbClr val="000000"/>
-                </a:solidFill>
-                <a:highlight>
-                  <a:srgbClr val="FFFFFF"/>
-                </a:highlight>
-                <a:latin typeface="Consolas" panose="020B0609020204030204" pitchFamily="49" charset="0"/>
-              </a:rPr>
-              <a:t>();</a:t>
-            </a:r>
-            <a:endParaRPr lang="en-GB" dirty="0">
-              <a:solidFill>
-                <a:srgbClr val="000000"/>
-              </a:solidFill>
-              <a:highlight>
-                <a:srgbClr val="FFFFFF"/>
-              </a:highlight>
-              <a:latin typeface="Consolas" panose="020B0609020204030204" pitchFamily="49" charset="0"/>
-            </a:endParaRPr>
-          </a:p>
-          <a:p>
-            <a:r>
-              <a:rPr lang="en-GB" dirty="0" smtClean="0">
-                <a:solidFill>
-                  <a:srgbClr val="0000FF"/>
-                </a:solidFill>
-                <a:highlight>
-                  <a:srgbClr val="FFFFFF"/>
-                </a:highlight>
-                <a:latin typeface="Consolas" panose="020B0609020204030204" pitchFamily="49" charset="0"/>
-              </a:rPr>
-              <a:t>	return</a:t>
-            </a:r>
-            <a:r>
-              <a:rPr lang="en-GB" dirty="0" smtClean="0">
-                <a:solidFill>
-                  <a:srgbClr val="000000"/>
-                </a:solidFill>
-                <a:highlight>
-                  <a:srgbClr val="FFFFFF"/>
-                </a:highlight>
-                <a:latin typeface="Consolas" panose="020B0609020204030204" pitchFamily="49" charset="0"/>
-              </a:rPr>
-              <a:t> View(</a:t>
-            </a:r>
-            <a:r>
-              <a:rPr lang="en-GB" dirty="0">
-                <a:solidFill>
-                  <a:srgbClr val="000000"/>
-                </a:solidFill>
-                <a:highlight>
-                  <a:srgbClr val="FFFFFF"/>
-                </a:highlight>
-                <a:latin typeface="Consolas" panose="020B0609020204030204" pitchFamily="49" charset="0"/>
-              </a:rPr>
-              <a:t>applicants</a:t>
-            </a:r>
-            <a:r>
-              <a:rPr lang="en-GB" dirty="0" smtClean="0">
-                <a:solidFill>
-                  <a:srgbClr val="000000"/>
-                </a:solidFill>
-                <a:highlight>
-                  <a:srgbClr val="FFFFFF"/>
-                </a:highlight>
-                <a:latin typeface="Consolas" panose="020B0609020204030204" pitchFamily="49" charset="0"/>
-              </a:rPr>
-              <a:t>);</a:t>
-            </a:r>
-            <a:endParaRPr lang="en-GB" dirty="0">
-              <a:solidFill>
-                <a:srgbClr val="000000"/>
-              </a:solidFill>
-              <a:highlight>
-                <a:srgbClr val="FFFFFF"/>
-              </a:highlight>
-              <a:latin typeface="Consolas" panose="020B0609020204030204" pitchFamily="49" charset="0"/>
-            </a:endParaRPr>
-          </a:p>
-          <a:p>
-            <a:r>
-              <a:rPr lang="en-GB" dirty="0" smtClean="0">
-                <a:solidFill>
-                  <a:srgbClr val="000000"/>
-                </a:solidFill>
-                <a:highlight>
-                  <a:srgbClr val="FFFFFF"/>
-                </a:highlight>
-                <a:latin typeface="Consolas" panose="020B0609020204030204" pitchFamily="49" charset="0"/>
-              </a:rPr>
-              <a:t>}</a:t>
+              <a:t>Model</a:t>
+            </a:r>
+            <a:r>
+              <a:rPr lang="en-US" dirty="0" smtClean="0"/>
+              <a:t>.</a:t>
             </a:r>
             <a:endParaRPr lang="en-GB" dirty="0"/>
           </a:p>
         </p:txBody>
       </p:sp>
+      <p:sp>
+        <p:nvSpPr>
+          <p:cNvPr id="15" name="Стрелка вниз 14"/>
+          <p:cNvSpPr/>
+          <p:nvPr/>
+        </p:nvSpPr>
+        <p:spPr>
+          <a:xfrm>
+            <a:off x="8234640" y="3227562"/>
+            <a:ext cx="498764" cy="1202226"/>
+          </a:xfrm>
+          <a:prstGeom prst="downArrow">
+            <a:avLst/>
+          </a:prstGeom>
+        </p:spPr>
+        <p:style>
+          <a:lnRef idx="3">
+            <a:schemeClr val="lt1"/>
+          </a:lnRef>
+          <a:fillRef idx="1">
+            <a:schemeClr val="dk1"/>
+          </a:fillRef>
+          <a:effectRef idx="1">
+            <a:schemeClr val="dk1"/>
+          </a:effectRef>
+          <a:fontRef idx="minor">
+            <a:schemeClr val="lt1"/>
+          </a:fontRef>
+        </p:style>
+        <p:txBody>
+          <a:bodyPr rtlCol="0" anchor="ctr"/>
+          <a:lstStyle/>
+          <a:p>
+            <a:pPr algn="ctr"/>
+            <a:endParaRPr lang="en-GB"/>
+          </a:p>
+        </p:txBody>
+      </p:sp>
+      <p:grpSp>
+        <p:nvGrpSpPr>
+          <p:cNvPr id="22" name="Группа 21"/>
+          <p:cNvGrpSpPr/>
+          <p:nvPr/>
+        </p:nvGrpSpPr>
+        <p:grpSpPr>
+          <a:xfrm>
+            <a:off x="8792524" y="3446063"/>
+            <a:ext cx="1492741" cy="632716"/>
+            <a:chOff x="7977884" y="3313059"/>
+            <a:chExt cx="1492741" cy="632716"/>
+          </a:xfrm>
+        </p:grpSpPr>
+        <p:pic>
+          <p:nvPicPr>
+            <p:cNvPr id="17" name="Рисунок 16"/>
+            <p:cNvPicPr>
+              <a:picLocks noChangeAspect="1"/>
+            </p:cNvPicPr>
+            <p:nvPr/>
+          </p:nvPicPr>
+          <p:blipFill>
+            <a:blip r:embed="rId2">
+              <a:extLst>
+                <a:ext uri="{28A0092B-C50C-407E-A947-70E740481C1C}">
+                  <a14:useLocalDpi xmlns:a14="http://schemas.microsoft.com/office/drawing/2010/main" val="0"/>
+                </a:ext>
+              </a:extLst>
+            </a:blip>
+            <a:stretch>
+              <a:fillRect/>
+            </a:stretch>
+          </p:blipFill>
+          <p:spPr>
+            <a:xfrm>
+              <a:off x="7977884" y="3313059"/>
+              <a:ext cx="632716" cy="632716"/>
+            </a:xfrm>
+            <a:prstGeom prst="rect">
+              <a:avLst/>
+            </a:prstGeom>
+          </p:spPr>
+        </p:pic>
+        <p:sp>
+          <p:nvSpPr>
+            <p:cNvPr id="18" name="Прямоугольник 17"/>
+            <p:cNvSpPr/>
+            <p:nvPr/>
+          </p:nvSpPr>
+          <p:spPr>
+            <a:xfrm>
+              <a:off x="8676818" y="3530840"/>
+              <a:ext cx="793807" cy="369332"/>
+            </a:xfrm>
+            <a:prstGeom prst="rect">
+              <a:avLst/>
+            </a:prstGeom>
+          </p:spPr>
+          <p:txBody>
+            <a:bodyPr wrap="none">
+              <a:spAutoFit/>
+            </a:bodyPr>
+            <a:lstStyle/>
+            <a:p>
+              <a:r>
+                <a:rPr lang="en-US" dirty="0">
+                  <a:solidFill>
+                    <a:schemeClr val="accent1">
+                      <a:lumMod val="75000"/>
+                    </a:schemeClr>
+                  </a:solidFill>
+                </a:rPr>
+                <a:t>Model</a:t>
+              </a:r>
+              <a:endParaRPr lang="en-GB" dirty="0"/>
+            </a:p>
+          </p:txBody>
+        </p:sp>
+      </p:grpSp>
+      <p:grpSp>
+        <p:nvGrpSpPr>
+          <p:cNvPr id="21" name="Группа 20"/>
+          <p:cNvGrpSpPr/>
+          <p:nvPr/>
+        </p:nvGrpSpPr>
+        <p:grpSpPr>
+          <a:xfrm>
+            <a:off x="1190797" y="3013547"/>
+            <a:ext cx="1705616" cy="1852714"/>
+            <a:chOff x="376157" y="2880543"/>
+            <a:chExt cx="1705616" cy="1852714"/>
+          </a:xfrm>
+        </p:grpSpPr>
+        <p:pic>
+          <p:nvPicPr>
+            <p:cNvPr id="19" name="Рисунок 18"/>
+            <p:cNvPicPr>
+              <a:picLocks noChangeAspect="1"/>
+            </p:cNvPicPr>
+            <p:nvPr/>
+          </p:nvPicPr>
+          <p:blipFill>
+            <a:blip r:embed="rId3">
+              <a:extLst>
+                <a:ext uri="{28A0092B-C50C-407E-A947-70E740481C1C}">
+                  <a14:useLocalDpi xmlns:a14="http://schemas.microsoft.com/office/drawing/2010/main" val="0"/>
+                </a:ext>
+              </a:extLst>
+            </a:blip>
+            <a:stretch>
+              <a:fillRect/>
+            </a:stretch>
+          </p:blipFill>
+          <p:spPr>
+            <a:xfrm>
+              <a:off x="456012" y="2880543"/>
+              <a:ext cx="1300593" cy="1300593"/>
+            </a:xfrm>
+            <a:prstGeom prst="rect">
+              <a:avLst/>
+            </a:prstGeom>
+          </p:spPr>
+        </p:pic>
+        <p:sp>
+          <p:nvSpPr>
+            <p:cNvPr id="20" name="Прямоугольник 19"/>
+            <p:cNvSpPr/>
+            <p:nvPr/>
+          </p:nvSpPr>
+          <p:spPr>
+            <a:xfrm>
+              <a:off x="376157" y="4086926"/>
+              <a:ext cx="1705616" cy="646331"/>
+            </a:xfrm>
+            <a:prstGeom prst="rect">
+              <a:avLst/>
+            </a:prstGeom>
+          </p:spPr>
+          <p:txBody>
+            <a:bodyPr wrap="square">
+              <a:spAutoFit/>
+            </a:bodyPr>
+            <a:lstStyle/>
+            <a:p>
+              <a:r>
+                <a:rPr lang="ru-RU" dirty="0" smtClean="0"/>
+                <a:t>Браузер пользователя</a:t>
+              </a:r>
+              <a:endParaRPr lang="en-GB" dirty="0"/>
+            </a:p>
+          </p:txBody>
+        </p:sp>
+      </p:grpSp>
     </p:spTree>
     <p:extLst>
       <p:ext uri="{BB962C8B-B14F-4D97-AF65-F5344CB8AC3E}">
-        <p14:creationId xmlns:p14="http://schemas.microsoft.com/office/powerpoint/2010/main" val="2950879970"/>
+        <p14:creationId xmlns:p14="http://schemas.microsoft.com/office/powerpoint/2010/main" val="3267754883"/>
       </p:ext>
     </p:extLst>
   </p:cSld>
@@ -4242,7 +4431,7 @@
           <a:bodyPr/>
           <a:lstStyle/>
           <a:p>
-            <a:endParaRPr lang="en-GB"/>
+            <a:endParaRPr lang="en-GB" dirty="0"/>
           </a:p>
         </p:txBody>
       </p:sp>
@@ -4315,16 +4504,69 @@
           </a:p>
         </p:txBody>
       </p:sp>
+      <p:sp>
+        <p:nvSpPr>
+          <p:cNvPr id="7" name="Прямоугольник 6"/>
+          <p:cNvSpPr/>
+          <p:nvPr/>
+        </p:nvSpPr>
+        <p:spPr>
+          <a:xfrm>
+            <a:off x="1" y="0"/>
+            <a:ext cx="12192000" cy="296333"/>
+          </a:xfrm>
+          <a:prstGeom prst="rect">
+            <a:avLst/>
+          </a:prstGeom>
+        </p:spPr>
+        <p:style>
+          <a:lnRef idx="0">
+            <a:schemeClr val="accent5"/>
+          </a:lnRef>
+          <a:fillRef idx="3">
+            <a:schemeClr val="accent5"/>
+          </a:fillRef>
+          <a:effectRef idx="3">
+            <a:schemeClr val="accent5"/>
+          </a:effectRef>
+          <a:fontRef idx="minor">
+            <a:schemeClr val="lt1"/>
+          </a:fontRef>
+        </p:style>
+        <p:txBody>
+          <a:bodyPr rtlCol="0" anchor="ctr"/>
+          <a:lstStyle/>
+          <a:p>
+            <a:pPr algn="ctr"/>
+            <a:r>
+              <a:rPr lang="ru-RU" dirty="0" smtClean="0"/>
+              <a:t>Создание проекта </a:t>
+            </a:r>
+            <a:r>
+              <a:rPr lang="en-US" dirty="0" smtClean="0"/>
+              <a:t>ASP.NET</a:t>
+            </a:r>
+            <a:endParaRPr lang="en-GB" dirty="0"/>
+          </a:p>
+        </p:txBody>
+      </p:sp>
     </p:spTree>
     <p:extLst>
       <p:ext uri="{BB962C8B-B14F-4D97-AF65-F5344CB8AC3E}">
-        <p14:creationId xmlns:p14="http://schemas.microsoft.com/office/powerpoint/2010/main" val="935612764"/>
+        <p14:creationId xmlns:p14="http://schemas.microsoft.com/office/powerpoint/2010/main" val="2637532497"/>
       </p:ext>
     </p:extLst>
   </p:cSld>
   <p:clrMapOvr>
     <a:masterClrMapping/>
   </p:clrMapOvr>
+  <p:timing>
+    <p:tnLst>
+      <p:par>
+        <p:cTn id="1" dur="indefinite" restart="never" nodeType="tmRoot"/>
+      </p:par>
+    </p:tnLst>
+  </p:timing>
 </p:sld>
 </file>
 
@@ -4360,50 +4602,31 @@
           <a:bodyPr/>
           <a:lstStyle/>
           <a:p>
-            <a:r>
-              <a:rPr lang="ru-RU" dirty="0" smtClean="0"/>
-              <a:t>Ссылки на полезную информацию</a:t>
-            </a:r>
+            <a:endParaRPr lang="en-GB"/>
+          </a:p>
+        </p:txBody>
+      </p:sp>
+      <p:sp>
+        <p:nvSpPr>
+          <p:cNvPr id="3" name="Объект 2"/>
+          <p:cNvSpPr>
+            <a:spLocks noGrp="1"/>
+          </p:cNvSpPr>
+          <p:nvPr>
+            <p:ph idx="1"/>
+          </p:nvPr>
+        </p:nvSpPr>
+        <p:spPr/>
+        <p:txBody>
+          <a:bodyPr/>
+          <a:lstStyle/>
+          <a:p>
             <a:endParaRPr lang="en-GB" dirty="0"/>
           </a:p>
         </p:txBody>
       </p:sp>
       <p:sp>
         <p:nvSpPr>
-          <p:cNvPr id="3" name="Объект 2"/>
-          <p:cNvSpPr>
-            <a:spLocks noGrp="1"/>
-          </p:cNvSpPr>
-          <p:nvPr>
-            <p:ph idx="1"/>
-          </p:nvPr>
-        </p:nvSpPr>
-        <p:spPr/>
-        <p:txBody>
-          <a:bodyPr/>
-          <a:lstStyle/>
-          <a:p>
-            <a:r>
-              <a:rPr lang="en-GB" dirty="0">
-                <a:hlinkClick r:id="rId2"/>
-              </a:rPr>
-              <a:t>http://</a:t>
-            </a:r>
-            <a:r>
-              <a:rPr lang="en-GB" dirty="0" smtClean="0">
-                <a:hlinkClick r:id="rId2"/>
-              </a:rPr>
-              <a:t>haacked.com/archive/2011/01/06/razor-syntax-quick-reference.aspx/</a:t>
-            </a:r>
-            <a:endParaRPr lang="en-GB" dirty="0" smtClean="0"/>
-          </a:p>
-          <a:p>
-            <a:endParaRPr lang="en-GB" dirty="0"/>
-          </a:p>
-        </p:txBody>
-      </p:sp>
-      <p:sp>
-        <p:nvSpPr>
           <p:cNvPr id="4" name="Дата 3"/>
           <p:cNvSpPr>
             <a:spLocks noGrp="1"/>
@@ -4418,10 +4641,10 @@
           <a:lstStyle/>
           <a:p>
             <a:r>
-              <a:rPr lang="en-US" dirty="0" smtClean="0"/>
+              <a:rPr lang="en-US" smtClean="0"/>
               <a:t>01.03.2016</a:t>
             </a:r>
-            <a:endParaRPr lang="en-GB" dirty="0"/>
+            <a:endParaRPr lang="en-GB"/>
           </a:p>
         </p:txBody>
       </p:sp>
@@ -4471,10 +4694,2407 @@
           </a:p>
         </p:txBody>
       </p:sp>
+      <p:sp>
+        <p:nvSpPr>
+          <p:cNvPr id="7" name="Прямоугольник 6"/>
+          <p:cNvSpPr/>
+          <p:nvPr/>
+        </p:nvSpPr>
+        <p:spPr>
+          <a:xfrm>
+            <a:off x="1" y="0"/>
+            <a:ext cx="12192000" cy="296333"/>
+          </a:xfrm>
+          <a:prstGeom prst="rect">
+            <a:avLst/>
+          </a:prstGeom>
+        </p:spPr>
+        <p:style>
+          <a:lnRef idx="0">
+            <a:schemeClr val="accent6"/>
+          </a:lnRef>
+          <a:fillRef idx="3">
+            <a:schemeClr val="accent6"/>
+          </a:fillRef>
+          <a:effectRef idx="3">
+            <a:schemeClr val="accent6"/>
+          </a:effectRef>
+          <a:fontRef idx="minor">
+            <a:schemeClr val="lt1"/>
+          </a:fontRef>
+        </p:style>
+        <p:txBody>
+          <a:bodyPr rtlCol="0" anchor="ctr"/>
+          <a:lstStyle/>
+          <a:p>
+            <a:pPr algn="ctr"/>
+            <a:r>
+              <a:rPr lang="ru-RU" dirty="0" smtClean="0"/>
+              <a:t>Создание проекта </a:t>
+            </a:r>
+            <a:r>
+              <a:rPr lang="en-US" dirty="0" smtClean="0"/>
+              <a:t>ASP.NET</a:t>
+            </a:r>
+            <a:endParaRPr lang="en-GB" dirty="0"/>
+          </a:p>
+        </p:txBody>
+      </p:sp>
     </p:spTree>
     <p:extLst>
       <p:ext uri="{BB962C8B-B14F-4D97-AF65-F5344CB8AC3E}">
-        <p14:creationId xmlns:p14="http://schemas.microsoft.com/office/powerpoint/2010/main" val="3599647210"/>
+        <p14:creationId xmlns:p14="http://schemas.microsoft.com/office/powerpoint/2010/main" val="453565188"/>
+      </p:ext>
+    </p:extLst>
+  </p:cSld>
+  <p:clrMapOvr>
+    <a:masterClrMapping/>
+  </p:clrMapOvr>
+  <p:timing>
+    <p:tnLst>
+      <p:par>
+        <p:cTn id="1" dur="indefinite" restart="never" nodeType="tmRoot"/>
+      </p:par>
+    </p:tnLst>
+  </p:timing>
+</p:sld>
+</file>
+
+<file path=ppt/slides/slide13.xml><?xml version="1.0" encoding="utf-8"?>
+<p:sld xmlns:a="http://schemas.openxmlformats.org/drawingml/2006/main" xmlns:r="http://schemas.openxmlformats.org/officeDocument/2006/relationships" xmlns:p="http://schemas.openxmlformats.org/presentationml/2006/main">
+  <p:cSld>
+    <p:spTree>
+      <p:nvGrpSpPr>
+        <p:cNvPr id="1" name=""/>
+        <p:cNvGrpSpPr/>
+        <p:nvPr/>
+      </p:nvGrpSpPr>
+      <p:grpSpPr>
+        <a:xfrm>
+          <a:off x="0" y="0"/>
+          <a:ext cx="0" cy="0"/>
+          <a:chOff x="0" y="0"/>
+          <a:chExt cx="0" cy="0"/>
+        </a:xfrm>
+      </p:grpSpPr>
+      <p:sp>
+        <p:nvSpPr>
+          <p:cNvPr id="2" name="Заголовок 1"/>
+          <p:cNvSpPr>
+            <a:spLocks noGrp="1"/>
+          </p:cNvSpPr>
+          <p:nvPr>
+            <p:ph type="title"/>
+          </p:nvPr>
+        </p:nvSpPr>
+        <p:spPr/>
+        <p:txBody>
+          <a:bodyPr/>
+          <a:lstStyle/>
+          <a:p>
+            <a:r>
+              <a:rPr lang="en-US" dirty="0" smtClean="0"/>
+              <a:t>Filters</a:t>
+            </a:r>
+            <a:endParaRPr lang="en-GB" dirty="0"/>
+          </a:p>
+        </p:txBody>
+      </p:sp>
+      <p:sp>
+        <p:nvSpPr>
+          <p:cNvPr id="3" name="Объект 2"/>
+          <p:cNvSpPr>
+            <a:spLocks noGrp="1"/>
+          </p:cNvSpPr>
+          <p:nvPr>
+            <p:ph idx="1"/>
+          </p:nvPr>
+        </p:nvSpPr>
+        <p:spPr/>
+        <p:txBody>
+          <a:bodyPr/>
+          <a:lstStyle/>
+          <a:p>
+            <a:r>
+              <a:rPr lang="en-US" dirty="0" smtClean="0"/>
+              <a:t>Filters are </a:t>
+            </a:r>
+            <a:r>
+              <a:rPr lang="en-US" dirty="0" err="1" smtClean="0"/>
+              <a:t>attrubutes</a:t>
+            </a:r>
+            <a:r>
+              <a:rPr lang="en-US" dirty="0" smtClean="0"/>
+              <a:t> – they decorate controllers and actions</a:t>
+            </a:r>
+          </a:p>
+          <a:p>
+            <a:endParaRPr lang="en-US" dirty="0"/>
+          </a:p>
+          <a:p>
+            <a:r>
+              <a:rPr lang="en-US" dirty="0" smtClean="0"/>
+              <a:t>They alter execution</a:t>
+            </a:r>
+          </a:p>
+          <a:p>
+            <a:endParaRPr lang="en-GB" dirty="0"/>
+          </a:p>
+        </p:txBody>
+      </p:sp>
+      <p:sp>
+        <p:nvSpPr>
+          <p:cNvPr id="4" name="Дата 3"/>
+          <p:cNvSpPr>
+            <a:spLocks noGrp="1"/>
+          </p:cNvSpPr>
+          <p:nvPr>
+            <p:ph type="dt" sz="half" idx="10"/>
+          </p:nvPr>
+        </p:nvSpPr>
+        <p:spPr/>
+        <p:txBody>
+          <a:bodyPr/>
+          <a:lstStyle/>
+          <a:p>
+            <a:r>
+              <a:rPr lang="en-US" smtClean="0"/>
+              <a:t>01.03.2016</a:t>
+            </a:r>
+            <a:endParaRPr lang="en-GB"/>
+          </a:p>
+        </p:txBody>
+      </p:sp>
+      <p:sp>
+        <p:nvSpPr>
+          <p:cNvPr id="5" name="Нижний колонтитул 4"/>
+          <p:cNvSpPr>
+            <a:spLocks noGrp="1"/>
+          </p:cNvSpPr>
+          <p:nvPr>
+            <p:ph type="ftr" sz="quarter" idx="11"/>
+          </p:nvPr>
+        </p:nvSpPr>
+        <p:spPr/>
+        <p:txBody>
+          <a:bodyPr/>
+          <a:lstStyle/>
+          <a:p>
+            <a:r>
+              <a:rPr lang="ru-RU" smtClean="0"/>
+              <a:t>Ваганов Михаил Викторович  ASP.NET MVC + Oracle Database</a:t>
+            </a:r>
+            <a:endParaRPr lang="en-GB"/>
+          </a:p>
+        </p:txBody>
+      </p:sp>
+      <p:sp>
+        <p:nvSpPr>
+          <p:cNvPr id="6" name="Номер слайда 5"/>
+          <p:cNvSpPr>
+            <a:spLocks noGrp="1"/>
+          </p:cNvSpPr>
+          <p:nvPr>
+            <p:ph type="sldNum" sz="quarter" idx="12"/>
+          </p:nvPr>
+        </p:nvSpPr>
+        <p:spPr/>
+        <p:txBody>
+          <a:bodyPr/>
+          <a:lstStyle/>
+          <a:p>
+            <a:fld id="{8FD3F87F-7A79-4F3D-8F12-CD11A20D067D}" type="slidenum">
+              <a:rPr lang="en-GB" smtClean="0"/>
+              <a:t>13</a:t>
+            </a:fld>
+            <a:endParaRPr lang="en-GB"/>
+          </a:p>
+        </p:txBody>
+      </p:sp>
+    </p:spTree>
+    <p:extLst>
+      <p:ext uri="{BB962C8B-B14F-4D97-AF65-F5344CB8AC3E}">
+        <p14:creationId xmlns:p14="http://schemas.microsoft.com/office/powerpoint/2010/main" val="468406526"/>
+      </p:ext>
+    </p:extLst>
+  </p:cSld>
+  <p:clrMapOvr>
+    <a:masterClrMapping/>
+  </p:clrMapOvr>
+</p:sld>
+</file>
+
+<file path=ppt/slides/slide14.xml><?xml version="1.0" encoding="utf-8"?>
+<p:sld xmlns:a="http://schemas.openxmlformats.org/drawingml/2006/main" xmlns:r="http://schemas.openxmlformats.org/officeDocument/2006/relationships" xmlns:p="http://schemas.openxmlformats.org/presentationml/2006/main">
+  <p:cSld>
+    <p:spTree>
+      <p:nvGrpSpPr>
+        <p:cNvPr id="1" name=""/>
+        <p:cNvGrpSpPr/>
+        <p:nvPr/>
+      </p:nvGrpSpPr>
+      <p:grpSpPr>
+        <a:xfrm>
+          <a:off x="0" y="0"/>
+          <a:ext cx="0" cy="0"/>
+          <a:chOff x="0" y="0"/>
+          <a:chExt cx="0" cy="0"/>
+        </a:xfrm>
+      </p:grpSpPr>
+      <p:sp>
+        <p:nvSpPr>
+          <p:cNvPr id="2" name="Заголовок 1"/>
+          <p:cNvSpPr>
+            <a:spLocks noGrp="1"/>
+          </p:cNvSpPr>
+          <p:nvPr>
+            <p:ph type="title"/>
+          </p:nvPr>
+        </p:nvSpPr>
+        <p:spPr/>
+        <p:txBody>
+          <a:bodyPr/>
+          <a:lstStyle/>
+          <a:p>
+            <a:r>
+              <a:rPr lang="en-US" dirty="0" smtClean="0"/>
+              <a:t>Authorization</a:t>
+            </a:r>
+            <a:endParaRPr lang="en-GB" dirty="0"/>
+          </a:p>
+        </p:txBody>
+      </p:sp>
+      <p:sp>
+        <p:nvSpPr>
+          <p:cNvPr id="3" name="Объект 2"/>
+          <p:cNvSpPr>
+            <a:spLocks noGrp="1"/>
+          </p:cNvSpPr>
+          <p:nvPr>
+            <p:ph idx="1"/>
+          </p:nvPr>
+        </p:nvSpPr>
+        <p:spPr/>
+        <p:txBody>
+          <a:bodyPr/>
+          <a:lstStyle/>
+          <a:p>
+            <a:endParaRPr lang="en-GB"/>
+          </a:p>
+        </p:txBody>
+      </p:sp>
+      <p:sp>
+        <p:nvSpPr>
+          <p:cNvPr id="4" name="Дата 3"/>
+          <p:cNvSpPr>
+            <a:spLocks noGrp="1"/>
+          </p:cNvSpPr>
+          <p:nvPr>
+            <p:ph type="dt" sz="half" idx="10"/>
+          </p:nvPr>
+        </p:nvSpPr>
+        <p:spPr/>
+        <p:txBody>
+          <a:bodyPr/>
+          <a:lstStyle/>
+          <a:p>
+            <a:r>
+              <a:rPr lang="en-US" smtClean="0"/>
+              <a:t>01.03.2016</a:t>
+            </a:r>
+            <a:endParaRPr lang="en-GB"/>
+          </a:p>
+        </p:txBody>
+      </p:sp>
+      <p:sp>
+        <p:nvSpPr>
+          <p:cNvPr id="5" name="Нижний колонтитул 4"/>
+          <p:cNvSpPr>
+            <a:spLocks noGrp="1"/>
+          </p:cNvSpPr>
+          <p:nvPr>
+            <p:ph type="ftr" sz="quarter" idx="11"/>
+          </p:nvPr>
+        </p:nvSpPr>
+        <p:spPr/>
+        <p:txBody>
+          <a:bodyPr/>
+          <a:lstStyle/>
+          <a:p>
+            <a:r>
+              <a:rPr lang="ru-RU" smtClean="0"/>
+              <a:t>Ваганов Михаил Викторович  ASP.NET MVC + Oracle Database</a:t>
+            </a:r>
+            <a:endParaRPr lang="en-GB"/>
+          </a:p>
+        </p:txBody>
+      </p:sp>
+      <p:sp>
+        <p:nvSpPr>
+          <p:cNvPr id="6" name="Номер слайда 5"/>
+          <p:cNvSpPr>
+            <a:spLocks noGrp="1"/>
+          </p:cNvSpPr>
+          <p:nvPr>
+            <p:ph type="sldNum" sz="quarter" idx="12"/>
+          </p:nvPr>
+        </p:nvSpPr>
+        <p:spPr/>
+        <p:txBody>
+          <a:bodyPr/>
+          <a:lstStyle/>
+          <a:p>
+            <a:fld id="{8FD3F87F-7A79-4F3D-8F12-CD11A20D067D}" type="slidenum">
+              <a:rPr lang="en-GB" smtClean="0"/>
+              <a:t>14</a:t>
+            </a:fld>
+            <a:endParaRPr lang="en-GB"/>
+          </a:p>
+        </p:txBody>
+      </p:sp>
+    </p:spTree>
+    <p:extLst>
+      <p:ext uri="{BB962C8B-B14F-4D97-AF65-F5344CB8AC3E}">
+        <p14:creationId xmlns:p14="http://schemas.microsoft.com/office/powerpoint/2010/main" val="1758010722"/>
+      </p:ext>
+    </p:extLst>
+  </p:cSld>
+  <p:clrMapOvr>
+    <a:masterClrMapping/>
+  </p:clrMapOvr>
+  <p:timing>
+    <p:tnLst>
+      <p:par>
+        <p:cTn id="1" dur="indefinite" restart="never" nodeType="tmRoot"/>
+      </p:par>
+    </p:tnLst>
+  </p:timing>
+</p:sld>
+</file>
+
+<file path=ppt/slides/slide15.xml><?xml version="1.0" encoding="utf-8"?>
+<p:sld xmlns:a="http://schemas.openxmlformats.org/drawingml/2006/main" xmlns:r="http://schemas.openxmlformats.org/officeDocument/2006/relationships" xmlns:p="http://schemas.openxmlformats.org/presentationml/2006/main">
+  <p:cSld>
+    <p:spTree>
+      <p:nvGrpSpPr>
+        <p:cNvPr id="1" name=""/>
+        <p:cNvGrpSpPr/>
+        <p:nvPr/>
+      </p:nvGrpSpPr>
+      <p:grpSpPr>
+        <a:xfrm>
+          <a:off x="0" y="0"/>
+          <a:ext cx="0" cy="0"/>
+          <a:chOff x="0" y="0"/>
+          <a:chExt cx="0" cy="0"/>
+        </a:xfrm>
+      </p:grpSpPr>
+      <p:sp>
+        <p:nvSpPr>
+          <p:cNvPr id="2" name="Заголовок 1"/>
+          <p:cNvSpPr>
+            <a:spLocks noGrp="1"/>
+          </p:cNvSpPr>
+          <p:nvPr>
+            <p:ph type="title"/>
+          </p:nvPr>
+        </p:nvSpPr>
+        <p:spPr/>
+        <p:txBody>
+          <a:bodyPr/>
+          <a:lstStyle/>
+          <a:p>
+            <a:r>
+              <a:rPr lang="en-US" dirty="0" smtClean="0"/>
+              <a:t>Routing</a:t>
+            </a:r>
+            <a:endParaRPr lang="en-GB" dirty="0"/>
+          </a:p>
+        </p:txBody>
+      </p:sp>
+      <p:sp>
+        <p:nvSpPr>
+          <p:cNvPr id="3" name="Объект 2"/>
+          <p:cNvSpPr>
+            <a:spLocks noGrp="1"/>
+          </p:cNvSpPr>
+          <p:nvPr>
+            <p:ph idx="1"/>
+          </p:nvPr>
+        </p:nvSpPr>
+        <p:spPr>
+          <a:xfrm>
+            <a:off x="838200" y="1825625"/>
+            <a:ext cx="10515600" cy="605155"/>
+          </a:xfrm>
+        </p:spPr>
+        <p:txBody>
+          <a:bodyPr/>
+          <a:lstStyle/>
+          <a:p>
+            <a:r>
+              <a:rPr lang="ru-RU" dirty="0" smtClean="0"/>
+              <a:t>Используем </a:t>
+            </a:r>
+            <a:r>
+              <a:rPr lang="en-US" dirty="0" smtClean="0"/>
+              <a:t>Attribute Routing </a:t>
+            </a:r>
+            <a:r>
+              <a:rPr lang="ru-RU" dirty="0" smtClean="0"/>
+              <a:t>вместо отдельного файла</a:t>
+            </a:r>
+            <a:endParaRPr lang="en-GB" dirty="0"/>
+          </a:p>
+        </p:txBody>
+      </p:sp>
+      <p:sp>
+        <p:nvSpPr>
+          <p:cNvPr id="4" name="Дата 3"/>
+          <p:cNvSpPr>
+            <a:spLocks noGrp="1"/>
+          </p:cNvSpPr>
+          <p:nvPr>
+            <p:ph type="dt" sz="half" idx="10"/>
+          </p:nvPr>
+        </p:nvSpPr>
+        <p:spPr/>
+        <p:txBody>
+          <a:bodyPr/>
+          <a:lstStyle/>
+          <a:p>
+            <a:r>
+              <a:rPr lang="en-US" smtClean="0"/>
+              <a:t>01.03.2016</a:t>
+            </a:r>
+            <a:endParaRPr lang="en-GB"/>
+          </a:p>
+        </p:txBody>
+      </p:sp>
+      <p:sp>
+        <p:nvSpPr>
+          <p:cNvPr id="5" name="Нижний колонтитул 4"/>
+          <p:cNvSpPr>
+            <a:spLocks noGrp="1"/>
+          </p:cNvSpPr>
+          <p:nvPr>
+            <p:ph type="ftr" sz="quarter" idx="11"/>
+          </p:nvPr>
+        </p:nvSpPr>
+        <p:spPr/>
+        <p:txBody>
+          <a:bodyPr/>
+          <a:lstStyle/>
+          <a:p>
+            <a:r>
+              <a:rPr lang="ru-RU" smtClean="0"/>
+              <a:t>Ваганов Михаил Викторович  ASP.NET MVC + Oracle Database</a:t>
+            </a:r>
+            <a:endParaRPr lang="en-GB"/>
+          </a:p>
+        </p:txBody>
+      </p:sp>
+      <p:sp>
+        <p:nvSpPr>
+          <p:cNvPr id="6" name="Номер слайда 5"/>
+          <p:cNvSpPr>
+            <a:spLocks noGrp="1"/>
+          </p:cNvSpPr>
+          <p:nvPr>
+            <p:ph type="sldNum" sz="quarter" idx="12"/>
+          </p:nvPr>
+        </p:nvSpPr>
+        <p:spPr/>
+        <p:txBody>
+          <a:bodyPr/>
+          <a:lstStyle/>
+          <a:p>
+            <a:fld id="{8FD3F87F-7A79-4F3D-8F12-CD11A20D067D}" type="slidenum">
+              <a:rPr lang="en-GB" smtClean="0"/>
+              <a:t>15</a:t>
+            </a:fld>
+            <a:endParaRPr lang="en-GB"/>
+          </a:p>
+        </p:txBody>
+      </p:sp>
+      <p:grpSp>
+        <p:nvGrpSpPr>
+          <p:cNvPr id="13" name="Группа 12"/>
+          <p:cNvGrpSpPr/>
+          <p:nvPr/>
+        </p:nvGrpSpPr>
+        <p:grpSpPr>
+          <a:xfrm>
+            <a:off x="1127760" y="2659380"/>
+            <a:ext cx="8023860" cy="2036266"/>
+            <a:chOff x="1127760" y="2659380"/>
+            <a:chExt cx="8023860" cy="2036266"/>
+          </a:xfrm>
+        </p:grpSpPr>
+        <p:sp>
+          <p:nvSpPr>
+            <p:cNvPr id="7" name="Прямоугольник 6"/>
+            <p:cNvSpPr/>
+            <p:nvPr/>
+          </p:nvSpPr>
+          <p:spPr>
+            <a:xfrm>
+              <a:off x="1127760" y="2659380"/>
+              <a:ext cx="8023860" cy="281940"/>
+            </a:xfrm>
+            <a:prstGeom prst="rect">
+              <a:avLst/>
+            </a:prstGeom>
+          </p:spPr>
+          <p:style>
+            <a:lnRef idx="2">
+              <a:schemeClr val="accent5">
+                <a:shade val="50000"/>
+              </a:schemeClr>
+            </a:lnRef>
+            <a:fillRef idx="1">
+              <a:schemeClr val="accent5"/>
+            </a:fillRef>
+            <a:effectRef idx="0">
+              <a:schemeClr val="accent5"/>
+            </a:effectRef>
+            <a:fontRef idx="minor">
+              <a:schemeClr val="lt1"/>
+            </a:fontRef>
+          </p:style>
+          <p:txBody>
+            <a:bodyPr rtlCol="0" anchor="ctr"/>
+            <a:lstStyle/>
+            <a:p>
+              <a:pPr algn="ctr"/>
+              <a:r>
+                <a:rPr lang="en-US" dirty="0" err="1" smtClean="0"/>
+                <a:t>ApplicantsController.cs</a:t>
+              </a:r>
+              <a:endParaRPr lang="en-GB" dirty="0"/>
+            </a:p>
+          </p:txBody>
+        </p:sp>
+        <p:sp>
+          <p:nvSpPr>
+            <p:cNvPr id="8" name="TextBox 7"/>
+            <p:cNvSpPr txBox="1"/>
+            <p:nvPr/>
+          </p:nvSpPr>
+          <p:spPr>
+            <a:xfrm>
+              <a:off x="1127760" y="2941320"/>
+              <a:ext cx="8023860" cy="1754326"/>
+            </a:xfrm>
+            <a:prstGeom prst="rect">
+              <a:avLst/>
+            </a:prstGeom>
+            <a:ln/>
+          </p:spPr>
+          <p:style>
+            <a:lnRef idx="2">
+              <a:schemeClr val="accent5"/>
+            </a:lnRef>
+            <a:fillRef idx="1">
+              <a:schemeClr val="lt1"/>
+            </a:fillRef>
+            <a:effectRef idx="0">
+              <a:schemeClr val="accent5"/>
+            </a:effectRef>
+            <a:fontRef idx="minor">
+              <a:schemeClr val="dk1"/>
+            </a:fontRef>
+          </p:style>
+          <p:txBody>
+            <a:bodyPr wrap="square" rtlCol="0">
+              <a:spAutoFit/>
+            </a:bodyPr>
+            <a:lstStyle/>
+            <a:p>
+              <a:r>
+                <a:rPr lang="en-GB" dirty="0">
+                  <a:solidFill>
+                    <a:srgbClr val="000000"/>
+                  </a:solidFill>
+                  <a:highlight>
+                    <a:srgbClr val="FFFFFF"/>
+                  </a:highlight>
+                  <a:latin typeface="Consolas" panose="020B0609020204030204" pitchFamily="49" charset="0"/>
+                </a:rPr>
+                <a:t>[</a:t>
+              </a:r>
+              <a:r>
+                <a:rPr lang="en-GB" dirty="0">
+                  <a:solidFill>
+                    <a:srgbClr val="2B91AF"/>
+                  </a:solidFill>
+                  <a:highlight>
+                    <a:srgbClr val="FFFFFF"/>
+                  </a:highlight>
+                  <a:latin typeface="Consolas" panose="020B0609020204030204" pitchFamily="49" charset="0"/>
+                </a:rPr>
+                <a:t>Route</a:t>
+              </a:r>
+              <a:r>
+                <a:rPr lang="en-GB" dirty="0" smtClean="0">
+                  <a:solidFill>
+                    <a:srgbClr val="000000"/>
+                  </a:solidFill>
+                  <a:highlight>
+                    <a:srgbClr val="FFFFFF"/>
+                  </a:highlight>
+                  <a:latin typeface="Consolas" panose="020B0609020204030204" pitchFamily="49" charset="0"/>
+                </a:rPr>
+                <a:t>(</a:t>
+              </a:r>
+              <a:r>
+                <a:rPr lang="en-GB" dirty="0">
+                  <a:solidFill>
+                    <a:srgbClr val="A31515"/>
+                  </a:solidFill>
+                  <a:highlight>
+                    <a:srgbClr val="FFFFFF"/>
+                  </a:highlight>
+                  <a:latin typeface="Consolas" panose="020B0609020204030204" pitchFamily="49" charset="0"/>
+                </a:rPr>
+                <a:t>“</a:t>
+              </a:r>
+              <a:r>
+                <a:rPr lang="en-GB" dirty="0" smtClean="0">
+                  <a:solidFill>
+                    <a:srgbClr val="A31515"/>
+                  </a:solidFill>
+                  <a:highlight>
+                    <a:srgbClr val="FFFFFF"/>
+                  </a:highlight>
+                  <a:latin typeface="Consolas" panose="020B0609020204030204" pitchFamily="49" charset="0"/>
+                </a:rPr>
+                <a:t>applicants"</a:t>
+              </a:r>
+              <a:r>
+                <a:rPr lang="en-GB" dirty="0" smtClean="0">
+                  <a:solidFill>
+                    <a:srgbClr val="000000"/>
+                  </a:solidFill>
+                  <a:highlight>
+                    <a:srgbClr val="FFFFFF"/>
+                  </a:highlight>
+                  <a:latin typeface="Consolas" panose="020B0609020204030204" pitchFamily="49" charset="0"/>
+                </a:rPr>
+                <a:t>)]</a:t>
+              </a:r>
+              <a:endParaRPr lang="en-GB" dirty="0">
+                <a:solidFill>
+                  <a:srgbClr val="000000"/>
+                </a:solidFill>
+                <a:highlight>
+                  <a:srgbClr val="FFFFFF"/>
+                </a:highlight>
+                <a:latin typeface="Consolas" panose="020B0609020204030204" pitchFamily="49" charset="0"/>
+              </a:endParaRPr>
+            </a:p>
+            <a:p>
+              <a:r>
+                <a:rPr lang="en-GB" dirty="0" smtClean="0">
+                  <a:solidFill>
+                    <a:srgbClr val="0000FF"/>
+                  </a:solidFill>
+                  <a:highlight>
+                    <a:srgbClr val="FFFFFF"/>
+                  </a:highlight>
+                  <a:latin typeface="Consolas" panose="020B0609020204030204" pitchFamily="49" charset="0"/>
+                </a:rPr>
+                <a:t>public</a:t>
+              </a:r>
+              <a:r>
+                <a:rPr lang="en-GB" dirty="0" smtClean="0">
+                  <a:solidFill>
+                    <a:srgbClr val="000000"/>
+                  </a:solidFill>
+                  <a:highlight>
+                    <a:srgbClr val="FFFFFF"/>
+                  </a:highlight>
+                  <a:latin typeface="Consolas" panose="020B0609020204030204" pitchFamily="49" charset="0"/>
+                </a:rPr>
+                <a:t> </a:t>
+              </a:r>
+              <a:r>
+                <a:rPr lang="en-GB" dirty="0" err="1">
+                  <a:solidFill>
+                    <a:srgbClr val="2B91AF"/>
+                  </a:solidFill>
+                  <a:highlight>
+                    <a:srgbClr val="FFFFFF"/>
+                  </a:highlight>
+                  <a:latin typeface="Consolas" panose="020B0609020204030204" pitchFamily="49" charset="0"/>
+                </a:rPr>
+                <a:t>ActionResult</a:t>
+              </a:r>
+              <a:r>
+                <a:rPr lang="en-GB" dirty="0">
+                  <a:solidFill>
+                    <a:srgbClr val="000000"/>
+                  </a:solidFill>
+                  <a:highlight>
+                    <a:srgbClr val="FFFFFF"/>
+                  </a:highlight>
+                  <a:latin typeface="Consolas" panose="020B0609020204030204" pitchFamily="49" charset="0"/>
+                </a:rPr>
+                <a:t> Index()</a:t>
+              </a:r>
+            </a:p>
+            <a:p>
+              <a:r>
+                <a:rPr lang="en-GB" dirty="0" smtClean="0">
+                  <a:solidFill>
+                    <a:srgbClr val="000000"/>
+                  </a:solidFill>
+                  <a:highlight>
+                    <a:srgbClr val="FFFFFF"/>
+                  </a:highlight>
+                  <a:latin typeface="Consolas" panose="020B0609020204030204" pitchFamily="49" charset="0"/>
+                </a:rPr>
+                <a:t>{</a:t>
+              </a:r>
+              <a:endParaRPr lang="en-GB" dirty="0">
+                <a:solidFill>
+                  <a:srgbClr val="000000"/>
+                </a:solidFill>
+                <a:highlight>
+                  <a:srgbClr val="FFFFFF"/>
+                </a:highlight>
+                <a:latin typeface="Consolas" panose="020B0609020204030204" pitchFamily="49" charset="0"/>
+              </a:endParaRPr>
+            </a:p>
+            <a:p>
+              <a:r>
+                <a:rPr lang="en-GB" dirty="0" smtClean="0">
+                  <a:solidFill>
+                    <a:srgbClr val="0000FF"/>
+                  </a:solidFill>
+                  <a:highlight>
+                    <a:srgbClr val="FFFFFF"/>
+                  </a:highlight>
+                  <a:latin typeface="Consolas" panose="020B0609020204030204" pitchFamily="49" charset="0"/>
+                </a:rPr>
+                <a:t>	</a:t>
+              </a:r>
+              <a:r>
+                <a:rPr lang="en-GB" dirty="0" err="1" smtClean="0">
+                  <a:solidFill>
+                    <a:srgbClr val="0000FF"/>
+                  </a:solidFill>
+                  <a:highlight>
+                    <a:srgbClr val="FFFFFF"/>
+                  </a:highlight>
+                  <a:latin typeface="Consolas" panose="020B0609020204030204" pitchFamily="49" charset="0"/>
+                </a:rPr>
+                <a:t>var</a:t>
+              </a:r>
+              <a:r>
+                <a:rPr lang="en-GB" dirty="0" smtClean="0">
+                  <a:solidFill>
+                    <a:srgbClr val="000000"/>
+                  </a:solidFill>
+                  <a:highlight>
+                    <a:srgbClr val="FFFFFF"/>
+                  </a:highlight>
+                  <a:latin typeface="Consolas" panose="020B0609020204030204" pitchFamily="49" charset="0"/>
+                </a:rPr>
+                <a:t> applicants= </a:t>
+              </a:r>
+              <a:r>
+                <a:rPr lang="en-GB" dirty="0" err="1" smtClean="0">
+                  <a:solidFill>
+                    <a:srgbClr val="000000"/>
+                  </a:solidFill>
+                  <a:highlight>
+                    <a:srgbClr val="FFFFFF"/>
+                  </a:highlight>
+                  <a:latin typeface="Consolas" panose="020B0609020204030204" pitchFamily="49" charset="0"/>
+                </a:rPr>
+                <a:t>db.Applicants.ToList</a:t>
+              </a:r>
+              <a:r>
+                <a:rPr lang="en-GB" dirty="0" smtClean="0">
+                  <a:solidFill>
+                    <a:srgbClr val="000000"/>
+                  </a:solidFill>
+                  <a:highlight>
+                    <a:srgbClr val="FFFFFF"/>
+                  </a:highlight>
+                  <a:latin typeface="Consolas" panose="020B0609020204030204" pitchFamily="49" charset="0"/>
+                </a:rPr>
+                <a:t>();</a:t>
+              </a:r>
+              <a:endParaRPr lang="en-GB" dirty="0">
+                <a:solidFill>
+                  <a:srgbClr val="000000"/>
+                </a:solidFill>
+                <a:highlight>
+                  <a:srgbClr val="FFFFFF"/>
+                </a:highlight>
+                <a:latin typeface="Consolas" panose="020B0609020204030204" pitchFamily="49" charset="0"/>
+              </a:endParaRPr>
+            </a:p>
+            <a:p>
+              <a:r>
+                <a:rPr lang="en-GB" dirty="0" smtClean="0">
+                  <a:solidFill>
+                    <a:srgbClr val="0000FF"/>
+                  </a:solidFill>
+                  <a:highlight>
+                    <a:srgbClr val="FFFFFF"/>
+                  </a:highlight>
+                  <a:latin typeface="Consolas" panose="020B0609020204030204" pitchFamily="49" charset="0"/>
+                </a:rPr>
+                <a:t>	return</a:t>
+              </a:r>
+              <a:r>
+                <a:rPr lang="en-GB" dirty="0" smtClean="0">
+                  <a:solidFill>
+                    <a:srgbClr val="000000"/>
+                  </a:solidFill>
+                  <a:highlight>
+                    <a:srgbClr val="FFFFFF"/>
+                  </a:highlight>
+                  <a:latin typeface="Consolas" panose="020B0609020204030204" pitchFamily="49" charset="0"/>
+                </a:rPr>
+                <a:t> View(</a:t>
+              </a:r>
+              <a:r>
+                <a:rPr lang="en-GB" dirty="0">
+                  <a:solidFill>
+                    <a:srgbClr val="000000"/>
+                  </a:solidFill>
+                  <a:highlight>
+                    <a:srgbClr val="FFFFFF"/>
+                  </a:highlight>
+                  <a:latin typeface="Consolas" panose="020B0609020204030204" pitchFamily="49" charset="0"/>
+                </a:rPr>
+                <a:t>applicants</a:t>
+              </a:r>
+              <a:r>
+                <a:rPr lang="en-GB" dirty="0" smtClean="0">
+                  <a:solidFill>
+                    <a:srgbClr val="000000"/>
+                  </a:solidFill>
+                  <a:highlight>
+                    <a:srgbClr val="FFFFFF"/>
+                  </a:highlight>
+                  <a:latin typeface="Consolas" panose="020B0609020204030204" pitchFamily="49" charset="0"/>
+                </a:rPr>
+                <a:t>);</a:t>
+              </a:r>
+              <a:endParaRPr lang="en-GB" dirty="0">
+                <a:solidFill>
+                  <a:srgbClr val="000000"/>
+                </a:solidFill>
+                <a:highlight>
+                  <a:srgbClr val="FFFFFF"/>
+                </a:highlight>
+                <a:latin typeface="Consolas" panose="020B0609020204030204" pitchFamily="49" charset="0"/>
+              </a:endParaRPr>
+            </a:p>
+            <a:p>
+              <a:r>
+                <a:rPr lang="en-GB" dirty="0" smtClean="0">
+                  <a:solidFill>
+                    <a:srgbClr val="000000"/>
+                  </a:solidFill>
+                  <a:highlight>
+                    <a:srgbClr val="FFFFFF"/>
+                  </a:highlight>
+                  <a:latin typeface="Consolas" panose="020B0609020204030204" pitchFamily="49" charset="0"/>
+                </a:rPr>
+                <a:t>}</a:t>
+              </a:r>
+              <a:endParaRPr lang="en-GB" dirty="0"/>
+            </a:p>
+          </p:txBody>
+        </p:sp>
+      </p:grpSp>
+    </p:spTree>
+    <p:extLst>
+      <p:ext uri="{BB962C8B-B14F-4D97-AF65-F5344CB8AC3E}">
+        <p14:creationId xmlns:p14="http://schemas.microsoft.com/office/powerpoint/2010/main" val="2950879970"/>
+      </p:ext>
+    </p:extLst>
+  </p:cSld>
+  <p:clrMapOvr>
+    <a:masterClrMapping/>
+  </p:clrMapOvr>
+  <p:timing>
+    <p:tnLst>
+      <p:par>
+        <p:cTn id="1" dur="indefinite" restart="never" nodeType="tmRoot"/>
+      </p:par>
+    </p:tnLst>
+  </p:timing>
+</p:sld>
+</file>
+
+<file path=ppt/slides/slide16.xml><?xml version="1.0" encoding="utf-8"?>
+<p:sld xmlns:a="http://schemas.openxmlformats.org/drawingml/2006/main" xmlns:r="http://schemas.openxmlformats.org/officeDocument/2006/relationships" xmlns:p="http://schemas.openxmlformats.org/presentationml/2006/main">
+  <p:cSld>
+    <p:spTree>
+      <p:nvGrpSpPr>
+        <p:cNvPr id="1" name=""/>
+        <p:cNvGrpSpPr/>
+        <p:nvPr/>
+      </p:nvGrpSpPr>
+      <p:grpSpPr>
+        <a:xfrm>
+          <a:off x="0" y="0"/>
+          <a:ext cx="0" cy="0"/>
+          <a:chOff x="0" y="0"/>
+          <a:chExt cx="0" cy="0"/>
+        </a:xfrm>
+      </p:grpSpPr>
+      <p:sp>
+        <p:nvSpPr>
+          <p:cNvPr id="2" name="Заголовок 1"/>
+          <p:cNvSpPr>
+            <a:spLocks noGrp="1"/>
+          </p:cNvSpPr>
+          <p:nvPr>
+            <p:ph type="title"/>
+          </p:nvPr>
+        </p:nvSpPr>
+        <p:spPr/>
+        <p:txBody>
+          <a:bodyPr>
+            <a:normAutofit/>
+          </a:bodyPr>
+          <a:lstStyle/>
+          <a:p>
+            <a:r>
+              <a:rPr lang="en-GB" b="1" dirty="0" smtClean="0"/>
+              <a:t>URL (</a:t>
+            </a:r>
+            <a:r>
+              <a:rPr lang="en-GB" b="1" dirty="0"/>
+              <a:t>Uniform Resource </a:t>
+            </a:r>
+            <a:r>
+              <a:rPr lang="en-GB" b="1" dirty="0" smtClean="0"/>
+              <a:t>Locator)</a:t>
+            </a:r>
+            <a:endParaRPr lang="en-GB" dirty="0"/>
+          </a:p>
+        </p:txBody>
+      </p:sp>
+      <p:sp>
+        <p:nvSpPr>
+          <p:cNvPr id="3" name="Объект 2"/>
+          <p:cNvSpPr>
+            <a:spLocks noGrp="1"/>
+          </p:cNvSpPr>
+          <p:nvPr>
+            <p:ph idx="1"/>
+          </p:nvPr>
+        </p:nvSpPr>
+        <p:spPr>
+          <a:xfrm>
+            <a:off x="838200" y="2666999"/>
+            <a:ext cx="10515600" cy="3509963"/>
+          </a:xfrm>
+        </p:spPr>
+        <p:txBody>
+          <a:bodyPr/>
+          <a:lstStyle/>
+          <a:p>
+            <a:pPr lvl="1"/>
+            <a:r>
+              <a:rPr lang="en-US" altLang="en-US" dirty="0" smtClean="0">
+                <a:solidFill>
+                  <a:srgbClr val="7030A0"/>
+                </a:solidFill>
+                <a:latin typeface="Consolas" panose="020B0609020204030204" pitchFamily="49" charset="0"/>
+              </a:rPr>
+              <a:t>protocol</a:t>
+            </a:r>
+            <a:r>
+              <a:rPr lang="ru-RU" altLang="en-US" dirty="0" smtClean="0">
+                <a:solidFill>
+                  <a:srgbClr val="000000"/>
+                </a:solidFill>
+                <a:latin typeface="Consolas" panose="020B0609020204030204" pitchFamily="49" charset="0"/>
+              </a:rPr>
+              <a:t>: протокол уровня приложений, используемый сервером и клиентом для взаимодействия (</a:t>
+            </a:r>
+            <a:r>
+              <a:rPr lang="en-US" altLang="en-US" dirty="0" smtClean="0">
+                <a:solidFill>
+                  <a:srgbClr val="000000"/>
+                </a:solidFill>
+                <a:latin typeface="Consolas" panose="020B0609020204030204" pitchFamily="49" charset="0"/>
+              </a:rPr>
+              <a:t>HTTP, FTP, telnet)</a:t>
+            </a:r>
+          </a:p>
+          <a:p>
+            <a:pPr lvl="1"/>
+            <a:r>
+              <a:rPr lang="en-US" dirty="0" smtClean="0">
+                <a:solidFill>
+                  <a:srgbClr val="7030A0"/>
+                </a:solidFill>
+                <a:latin typeface="Consolas" panose="020B0609020204030204" pitchFamily="49" charset="0"/>
+              </a:rPr>
+              <a:t>hostname</a:t>
+            </a:r>
+            <a:r>
+              <a:rPr lang="en-US" dirty="0" smtClean="0">
+                <a:solidFill>
+                  <a:srgbClr val="000000"/>
+                </a:solidFill>
+                <a:latin typeface="Consolas" panose="020B0609020204030204" pitchFamily="49" charset="0"/>
+              </a:rPr>
+              <a:t>: DNS </a:t>
+            </a:r>
+            <a:r>
+              <a:rPr lang="ru-RU" dirty="0" smtClean="0">
+                <a:solidFill>
+                  <a:srgbClr val="000000"/>
+                </a:solidFill>
+                <a:latin typeface="Consolas" panose="020B0609020204030204" pitchFamily="49" charset="0"/>
+              </a:rPr>
+              <a:t>имя сервера или его </a:t>
+            </a:r>
+            <a:r>
+              <a:rPr lang="en-US" dirty="0" smtClean="0">
+                <a:solidFill>
+                  <a:srgbClr val="000000"/>
+                </a:solidFill>
+                <a:latin typeface="Consolas" panose="020B0609020204030204" pitchFamily="49" charset="0"/>
+              </a:rPr>
+              <a:t>IP</a:t>
+            </a:r>
+          </a:p>
+          <a:p>
+            <a:pPr lvl="1"/>
+            <a:r>
+              <a:rPr lang="en-US" dirty="0" smtClean="0">
+                <a:solidFill>
+                  <a:srgbClr val="7030A0"/>
+                </a:solidFill>
+                <a:latin typeface="Consolas" panose="020B0609020204030204" pitchFamily="49" charset="0"/>
+              </a:rPr>
+              <a:t>port</a:t>
+            </a:r>
+            <a:r>
+              <a:rPr lang="en-US" dirty="0" smtClean="0">
+                <a:solidFill>
+                  <a:srgbClr val="000000"/>
+                </a:solidFill>
+                <a:latin typeface="Consolas" panose="020B0609020204030204" pitchFamily="49" charset="0"/>
+              </a:rPr>
+              <a:t>: </a:t>
+            </a:r>
+            <a:r>
+              <a:rPr lang="ru-RU" dirty="0" smtClean="0">
+                <a:solidFill>
+                  <a:srgbClr val="000000"/>
+                </a:solidFill>
+                <a:latin typeface="Consolas" panose="020B0609020204030204" pitchFamily="49" charset="0"/>
+              </a:rPr>
+              <a:t>номер </a:t>
+            </a:r>
+            <a:r>
+              <a:rPr lang="en-US" dirty="0" smtClean="0">
+                <a:solidFill>
+                  <a:srgbClr val="000000"/>
+                </a:solidFill>
+                <a:latin typeface="Consolas" panose="020B0609020204030204" pitchFamily="49" charset="0"/>
+              </a:rPr>
+              <a:t>TCP</a:t>
+            </a:r>
+            <a:r>
+              <a:rPr lang="ru-RU" dirty="0" smtClean="0">
+                <a:solidFill>
+                  <a:srgbClr val="000000"/>
+                </a:solidFill>
+                <a:latin typeface="Consolas" panose="020B0609020204030204" pitchFamily="49" charset="0"/>
+              </a:rPr>
+              <a:t> порта, на котором сервер ждет (слушает) входящие запросы от клиентских приложений</a:t>
+            </a:r>
+          </a:p>
+          <a:p>
+            <a:pPr lvl="1"/>
+            <a:r>
+              <a:rPr lang="en-US" dirty="0">
+                <a:solidFill>
+                  <a:srgbClr val="7030A0"/>
+                </a:solidFill>
+                <a:latin typeface="Consolas" panose="020B0609020204030204" pitchFamily="49" charset="0"/>
+              </a:rPr>
+              <a:t>p</a:t>
+            </a:r>
+            <a:r>
+              <a:rPr lang="en-US" dirty="0" smtClean="0">
+                <a:solidFill>
+                  <a:srgbClr val="7030A0"/>
+                </a:solidFill>
+                <a:latin typeface="Consolas" panose="020B0609020204030204" pitchFamily="49" charset="0"/>
+              </a:rPr>
+              <a:t>ath-and-file-name</a:t>
+            </a:r>
+            <a:r>
+              <a:rPr lang="en-US" dirty="0" smtClean="0">
+                <a:solidFill>
+                  <a:srgbClr val="000000"/>
+                </a:solidFill>
+                <a:latin typeface="Consolas" panose="020B0609020204030204" pitchFamily="49" charset="0"/>
+              </a:rPr>
+              <a:t>: </a:t>
+            </a:r>
+            <a:r>
+              <a:rPr lang="ru-RU" dirty="0" smtClean="0">
+                <a:solidFill>
+                  <a:srgbClr val="000000"/>
+                </a:solidFill>
+                <a:latin typeface="Consolas" panose="020B0609020204030204" pitchFamily="49" charset="0"/>
+              </a:rPr>
+              <a:t>имя и положение запрашиваемого ресурса в рамках корневой папки сервера</a:t>
+            </a:r>
+            <a:r>
+              <a:rPr lang="ru-RU" dirty="0">
+                <a:solidFill>
+                  <a:srgbClr val="000000"/>
+                </a:solidFill>
+                <a:latin typeface="Consolas" panose="020B0609020204030204" pitchFamily="49" charset="0"/>
+              </a:rPr>
+              <a:t> </a:t>
+            </a:r>
+            <a:r>
+              <a:rPr lang="ru-RU" dirty="0" smtClean="0">
+                <a:solidFill>
+                  <a:srgbClr val="000000"/>
+                </a:solidFill>
+                <a:latin typeface="Consolas" panose="020B0609020204030204" pitchFamily="49" charset="0"/>
+              </a:rPr>
+              <a:t>(содержащей веб-приложения)</a:t>
+            </a:r>
+          </a:p>
+        </p:txBody>
+      </p:sp>
+      <p:sp>
+        <p:nvSpPr>
+          <p:cNvPr id="4" name="Дата 3"/>
+          <p:cNvSpPr>
+            <a:spLocks noGrp="1"/>
+          </p:cNvSpPr>
+          <p:nvPr>
+            <p:ph type="dt" sz="half" idx="10"/>
+          </p:nvPr>
+        </p:nvSpPr>
+        <p:spPr/>
+        <p:txBody>
+          <a:bodyPr/>
+          <a:lstStyle/>
+          <a:p>
+            <a:r>
+              <a:rPr lang="en-US" smtClean="0"/>
+              <a:t>01.03.2016</a:t>
+            </a:r>
+            <a:endParaRPr lang="en-GB" dirty="0"/>
+          </a:p>
+        </p:txBody>
+      </p:sp>
+      <p:sp>
+        <p:nvSpPr>
+          <p:cNvPr id="5" name="Нижний колонтитул 4"/>
+          <p:cNvSpPr>
+            <a:spLocks noGrp="1"/>
+          </p:cNvSpPr>
+          <p:nvPr>
+            <p:ph type="ftr" sz="quarter" idx="11"/>
+          </p:nvPr>
+        </p:nvSpPr>
+        <p:spPr/>
+        <p:txBody>
+          <a:bodyPr/>
+          <a:lstStyle/>
+          <a:p>
+            <a:r>
+              <a:rPr lang="ru-RU" smtClean="0"/>
+              <a:t>Ваганов Михаил Викторович  ASP.NET MVC + Oracle Database</a:t>
+            </a:r>
+            <a:endParaRPr lang="en-GB"/>
+          </a:p>
+        </p:txBody>
+      </p:sp>
+      <p:sp>
+        <p:nvSpPr>
+          <p:cNvPr id="6" name="Номер слайда 5"/>
+          <p:cNvSpPr>
+            <a:spLocks noGrp="1"/>
+          </p:cNvSpPr>
+          <p:nvPr>
+            <p:ph type="sldNum" sz="quarter" idx="12"/>
+          </p:nvPr>
+        </p:nvSpPr>
+        <p:spPr/>
+        <p:txBody>
+          <a:bodyPr/>
+          <a:lstStyle/>
+          <a:p>
+            <a:fld id="{8FD3F87F-7A79-4F3D-8F12-CD11A20D067D}" type="slidenum">
+              <a:rPr lang="en-GB" smtClean="0"/>
+              <a:t>16</a:t>
+            </a:fld>
+            <a:endParaRPr lang="en-GB"/>
+          </a:p>
+        </p:txBody>
+      </p:sp>
+      <p:grpSp>
+        <p:nvGrpSpPr>
+          <p:cNvPr id="15" name="Группа 14"/>
+          <p:cNvGrpSpPr/>
+          <p:nvPr/>
+        </p:nvGrpSpPr>
+        <p:grpSpPr>
+          <a:xfrm>
+            <a:off x="1341950" y="1518772"/>
+            <a:ext cx="8640250" cy="523220"/>
+            <a:chOff x="1344256" y="2036813"/>
+            <a:chExt cx="8640250" cy="523220"/>
+          </a:xfrm>
+        </p:grpSpPr>
+        <p:sp>
+          <p:nvSpPr>
+            <p:cNvPr id="12" name="TextBox 11"/>
+            <p:cNvSpPr txBox="1"/>
+            <p:nvPr/>
+          </p:nvSpPr>
+          <p:spPr>
+            <a:xfrm>
+              <a:off x="1344256" y="2036813"/>
+              <a:ext cx="1764329" cy="523220"/>
+            </a:xfrm>
+            <a:prstGeom prst="rect">
+              <a:avLst/>
+            </a:prstGeom>
+          </p:spPr>
+          <p:style>
+            <a:lnRef idx="3">
+              <a:schemeClr val="lt1"/>
+            </a:lnRef>
+            <a:fillRef idx="1">
+              <a:schemeClr val="dk1"/>
+            </a:fillRef>
+            <a:effectRef idx="1">
+              <a:schemeClr val="dk1"/>
+            </a:effectRef>
+            <a:fontRef idx="minor">
+              <a:schemeClr val="lt1"/>
+            </a:fontRef>
+          </p:style>
+          <p:txBody>
+            <a:bodyPr wrap="none" rtlCol="0">
+              <a:spAutoFit/>
+            </a:bodyPr>
+            <a:lstStyle/>
+            <a:p>
+              <a:r>
+                <a:rPr lang="en-US" sz="2800" i="1" dirty="0" smtClean="0"/>
+                <a:t>protocol://</a:t>
+              </a:r>
+              <a:endParaRPr lang="en-GB" sz="2800" i="1" dirty="0"/>
+            </a:p>
+          </p:txBody>
+        </p:sp>
+        <p:sp>
+          <p:nvSpPr>
+            <p:cNvPr id="13" name="TextBox 12"/>
+            <p:cNvSpPr txBox="1"/>
+            <p:nvPr/>
+          </p:nvSpPr>
+          <p:spPr>
+            <a:xfrm>
+              <a:off x="3108585" y="2036813"/>
+              <a:ext cx="2945037" cy="523220"/>
+            </a:xfrm>
+            <a:prstGeom prst="rect">
+              <a:avLst/>
+            </a:prstGeom>
+          </p:spPr>
+          <p:style>
+            <a:lnRef idx="3">
+              <a:schemeClr val="lt1"/>
+            </a:lnRef>
+            <a:fillRef idx="1">
+              <a:schemeClr val="accent2"/>
+            </a:fillRef>
+            <a:effectRef idx="1">
+              <a:schemeClr val="accent2"/>
+            </a:effectRef>
+            <a:fontRef idx="minor">
+              <a:schemeClr val="lt1"/>
+            </a:fontRef>
+          </p:style>
+          <p:txBody>
+            <a:bodyPr wrap="none" rtlCol="0">
+              <a:spAutoFit/>
+            </a:bodyPr>
+            <a:lstStyle/>
+            <a:p>
+              <a:r>
+                <a:rPr lang="en-US" altLang="en-US" sz="2800" i="1" dirty="0" err="1">
+                  <a:solidFill>
+                    <a:srgbClr val="000000"/>
+                  </a:solidFill>
+                  <a:latin typeface="Consolas" panose="020B0609020204030204" pitchFamily="49" charset="0"/>
+                </a:rPr>
+                <a:t>hostname</a:t>
+              </a:r>
+              <a:r>
+                <a:rPr lang="en-US" altLang="en-US" sz="2800" dirty="0" err="1">
+                  <a:solidFill>
+                    <a:srgbClr val="000000"/>
+                  </a:solidFill>
+                  <a:latin typeface="Consolas" panose="020B0609020204030204" pitchFamily="49" charset="0"/>
+                </a:rPr>
+                <a:t>:</a:t>
+              </a:r>
+              <a:r>
+                <a:rPr lang="en-US" altLang="en-US" sz="2800" i="1" dirty="0" err="1">
+                  <a:solidFill>
+                    <a:srgbClr val="000000"/>
+                  </a:solidFill>
+                  <a:latin typeface="Consolas" panose="020B0609020204030204" pitchFamily="49" charset="0"/>
+                </a:rPr>
+                <a:t>port</a:t>
+              </a:r>
+              <a:r>
+                <a:rPr lang="en-US" altLang="en-US" sz="2800" dirty="0">
+                  <a:solidFill>
+                    <a:srgbClr val="000000"/>
+                  </a:solidFill>
+                  <a:latin typeface="Consolas" panose="020B0609020204030204" pitchFamily="49" charset="0"/>
+                </a:rPr>
+                <a:t>/</a:t>
+              </a:r>
+              <a:endParaRPr lang="en-GB" sz="2800" dirty="0"/>
+            </a:p>
+          </p:txBody>
+        </p:sp>
+        <p:sp>
+          <p:nvSpPr>
+            <p:cNvPr id="14" name="TextBox 13"/>
+            <p:cNvSpPr txBox="1"/>
+            <p:nvPr/>
+          </p:nvSpPr>
+          <p:spPr>
+            <a:xfrm>
+              <a:off x="6053622" y="2036813"/>
+              <a:ext cx="3930884" cy="523220"/>
+            </a:xfrm>
+            <a:prstGeom prst="rect">
+              <a:avLst/>
+            </a:prstGeom>
+          </p:spPr>
+          <p:style>
+            <a:lnRef idx="3">
+              <a:schemeClr val="lt1"/>
+            </a:lnRef>
+            <a:fillRef idx="1">
+              <a:schemeClr val="accent6"/>
+            </a:fillRef>
+            <a:effectRef idx="1">
+              <a:schemeClr val="accent6"/>
+            </a:effectRef>
+            <a:fontRef idx="minor">
+              <a:schemeClr val="lt1"/>
+            </a:fontRef>
+          </p:style>
+          <p:txBody>
+            <a:bodyPr wrap="none" rtlCol="0">
+              <a:spAutoFit/>
+            </a:bodyPr>
+            <a:lstStyle/>
+            <a:p>
+              <a:r>
+                <a:rPr lang="en-US" altLang="en-US" sz="2800" i="1" dirty="0" smtClean="0">
+                  <a:solidFill>
+                    <a:srgbClr val="000000"/>
+                  </a:solidFill>
+                  <a:latin typeface="Consolas" panose="020B0609020204030204" pitchFamily="49" charset="0"/>
+                </a:rPr>
+                <a:t>path-and-file-name/</a:t>
+              </a:r>
+              <a:endParaRPr lang="en-GB" sz="2800" dirty="0"/>
+            </a:p>
+          </p:txBody>
+        </p:sp>
+      </p:grpSp>
+      <p:grpSp>
+        <p:nvGrpSpPr>
+          <p:cNvPr id="16" name="Группа 15"/>
+          <p:cNvGrpSpPr/>
+          <p:nvPr/>
+        </p:nvGrpSpPr>
+        <p:grpSpPr>
+          <a:xfrm>
+            <a:off x="1341950" y="2054085"/>
+            <a:ext cx="8927466" cy="527525"/>
+            <a:chOff x="1344256" y="2036813"/>
+            <a:chExt cx="8464043" cy="527525"/>
+          </a:xfrm>
+        </p:grpSpPr>
+        <p:sp>
+          <p:nvSpPr>
+            <p:cNvPr id="17" name="TextBox 16"/>
+            <p:cNvSpPr txBox="1"/>
+            <p:nvPr/>
+          </p:nvSpPr>
+          <p:spPr>
+            <a:xfrm>
+              <a:off x="1344256" y="2036813"/>
+              <a:ext cx="1162434" cy="523220"/>
+            </a:xfrm>
+            <a:prstGeom prst="rect">
+              <a:avLst/>
+            </a:prstGeom>
+          </p:spPr>
+          <p:style>
+            <a:lnRef idx="3">
+              <a:schemeClr val="lt1"/>
+            </a:lnRef>
+            <a:fillRef idx="1">
+              <a:schemeClr val="dk1"/>
+            </a:fillRef>
+            <a:effectRef idx="1">
+              <a:schemeClr val="dk1"/>
+            </a:effectRef>
+            <a:fontRef idx="minor">
+              <a:schemeClr val="lt1"/>
+            </a:fontRef>
+          </p:style>
+          <p:txBody>
+            <a:bodyPr wrap="none" rtlCol="0">
+              <a:spAutoFit/>
+            </a:bodyPr>
+            <a:lstStyle/>
+            <a:p>
+              <a:r>
+                <a:rPr lang="en-US" sz="2800" i="1" dirty="0" smtClean="0"/>
+                <a:t>http://</a:t>
+              </a:r>
+              <a:endParaRPr lang="en-GB" sz="2800" i="1" dirty="0"/>
+            </a:p>
+          </p:txBody>
+        </p:sp>
+        <p:sp>
+          <p:nvSpPr>
+            <p:cNvPr id="18" name="TextBox 17"/>
+            <p:cNvSpPr txBox="1"/>
+            <p:nvPr/>
+          </p:nvSpPr>
+          <p:spPr>
+            <a:xfrm>
+              <a:off x="2506690" y="2041118"/>
+              <a:ext cx="2976386" cy="523220"/>
+            </a:xfrm>
+            <a:prstGeom prst="rect">
+              <a:avLst/>
+            </a:prstGeom>
+          </p:spPr>
+          <p:style>
+            <a:lnRef idx="3">
+              <a:schemeClr val="lt1"/>
+            </a:lnRef>
+            <a:fillRef idx="1">
+              <a:schemeClr val="accent2"/>
+            </a:fillRef>
+            <a:effectRef idx="1">
+              <a:schemeClr val="accent2"/>
+            </a:effectRef>
+            <a:fontRef idx="minor">
+              <a:schemeClr val="lt1"/>
+            </a:fontRef>
+          </p:style>
+          <p:txBody>
+            <a:bodyPr wrap="square" rtlCol="0">
+              <a:spAutoFit/>
+            </a:bodyPr>
+            <a:lstStyle/>
+            <a:p>
+              <a:r>
+                <a:rPr lang="en-US" altLang="en-US" sz="2800" i="1" dirty="0" smtClean="0">
+                  <a:solidFill>
+                    <a:srgbClr val="000000"/>
+                  </a:solidFill>
+                  <a:latin typeface="Consolas" panose="020B0609020204030204" pitchFamily="49" charset="0"/>
+                </a:rPr>
+                <a:t>www.asp.net</a:t>
+              </a:r>
+              <a:r>
+                <a:rPr lang="en-US" altLang="en-US" sz="2800" dirty="0" smtClean="0">
+                  <a:solidFill>
+                    <a:srgbClr val="000000"/>
+                  </a:solidFill>
+                  <a:latin typeface="Consolas" panose="020B0609020204030204" pitchFamily="49" charset="0"/>
+                </a:rPr>
+                <a:t>:80/</a:t>
+              </a:r>
+              <a:endParaRPr lang="en-GB" sz="2800" dirty="0"/>
+            </a:p>
+          </p:txBody>
+        </p:sp>
+        <p:sp>
+          <p:nvSpPr>
+            <p:cNvPr id="19" name="TextBox 18"/>
+            <p:cNvSpPr txBox="1"/>
+            <p:nvPr/>
+          </p:nvSpPr>
+          <p:spPr>
+            <a:xfrm>
+              <a:off x="5483076" y="2036813"/>
+              <a:ext cx="4325223" cy="523220"/>
+            </a:xfrm>
+            <a:prstGeom prst="rect">
+              <a:avLst/>
+            </a:prstGeom>
+          </p:spPr>
+          <p:style>
+            <a:lnRef idx="3">
+              <a:schemeClr val="lt1"/>
+            </a:lnRef>
+            <a:fillRef idx="1">
+              <a:schemeClr val="accent6"/>
+            </a:fillRef>
+            <a:effectRef idx="1">
+              <a:schemeClr val="accent6"/>
+            </a:effectRef>
+            <a:fontRef idx="minor">
+              <a:schemeClr val="lt1"/>
+            </a:fontRef>
+          </p:style>
+          <p:txBody>
+            <a:bodyPr wrap="none" rtlCol="0">
+              <a:spAutoFit/>
+            </a:bodyPr>
+            <a:lstStyle/>
+            <a:p>
+              <a:r>
+                <a:rPr lang="en-US" altLang="en-US" sz="2800" i="1" dirty="0">
+                  <a:solidFill>
+                    <a:srgbClr val="000000"/>
+                  </a:solidFill>
+                  <a:latin typeface="Consolas" panose="020B0609020204030204" pitchFamily="49" charset="0"/>
+                </a:rPr>
+                <a:t>get-started/websites/</a:t>
+              </a:r>
+              <a:endParaRPr lang="en-GB" sz="2800" dirty="0"/>
+            </a:p>
+          </p:txBody>
+        </p:sp>
+      </p:grpSp>
+    </p:spTree>
+    <p:extLst>
+      <p:ext uri="{BB962C8B-B14F-4D97-AF65-F5344CB8AC3E}">
+        <p14:creationId xmlns:p14="http://schemas.microsoft.com/office/powerpoint/2010/main" val="3401944487"/>
+      </p:ext>
+    </p:extLst>
+  </p:cSld>
+  <p:clrMapOvr>
+    <a:masterClrMapping/>
+  </p:clrMapOvr>
+  <p:timing>
+    <p:tnLst>
+      <p:par>
+        <p:cTn id="1" dur="indefinite" restart="never" nodeType="tmRoot"/>
+      </p:par>
+    </p:tnLst>
+  </p:timing>
+</p:sld>
+</file>
+
+<file path=ppt/slides/slide17.xml><?xml version="1.0" encoding="utf-8"?>
+<p:sld xmlns:a="http://schemas.openxmlformats.org/drawingml/2006/main" xmlns:r="http://schemas.openxmlformats.org/officeDocument/2006/relationships" xmlns:p="http://schemas.openxmlformats.org/presentationml/2006/main">
+  <p:cSld>
+    <p:spTree>
+      <p:nvGrpSpPr>
+        <p:cNvPr id="1" name=""/>
+        <p:cNvGrpSpPr/>
+        <p:nvPr/>
+      </p:nvGrpSpPr>
+      <p:grpSpPr>
+        <a:xfrm>
+          <a:off x="0" y="0"/>
+          <a:ext cx="0" cy="0"/>
+          <a:chOff x="0" y="0"/>
+          <a:chExt cx="0" cy="0"/>
+        </a:xfrm>
+      </p:grpSpPr>
+      <p:sp>
+        <p:nvSpPr>
+          <p:cNvPr id="2" name="Заголовок 1"/>
+          <p:cNvSpPr>
+            <a:spLocks noGrp="1"/>
+          </p:cNvSpPr>
+          <p:nvPr>
+            <p:ph type="title"/>
+          </p:nvPr>
+        </p:nvSpPr>
+        <p:spPr/>
+        <p:txBody>
+          <a:bodyPr/>
+          <a:lstStyle/>
+          <a:p>
+            <a:r>
+              <a:rPr lang="en-US" b="1" dirty="0" smtClean="0"/>
+              <a:t>URI</a:t>
+            </a:r>
+            <a:r>
+              <a:rPr lang="en-US" dirty="0" smtClean="0"/>
+              <a:t> (</a:t>
+            </a:r>
+            <a:r>
+              <a:rPr lang="en-GB" b="1" dirty="0"/>
+              <a:t>Uniform Resource </a:t>
+            </a:r>
+            <a:r>
+              <a:rPr lang="en-GB" b="1" dirty="0" smtClean="0"/>
+              <a:t>Identifier</a:t>
+            </a:r>
+            <a:r>
+              <a:rPr lang="en-US" dirty="0" smtClean="0"/>
+              <a:t>)</a:t>
+            </a:r>
+            <a:endParaRPr lang="en-GB" dirty="0"/>
+          </a:p>
+        </p:txBody>
+      </p:sp>
+      <p:sp>
+        <p:nvSpPr>
+          <p:cNvPr id="3" name="Объект 2"/>
+          <p:cNvSpPr>
+            <a:spLocks noGrp="1"/>
+          </p:cNvSpPr>
+          <p:nvPr>
+            <p:ph idx="1"/>
+          </p:nvPr>
+        </p:nvSpPr>
+        <p:spPr>
+          <a:xfrm>
+            <a:off x="838200" y="3063240"/>
+            <a:ext cx="10515600" cy="3113722"/>
+          </a:xfrm>
+        </p:spPr>
+        <p:txBody>
+          <a:bodyPr/>
+          <a:lstStyle/>
+          <a:p>
+            <a:r>
+              <a:rPr lang="en-US" altLang="en-US" dirty="0" smtClean="0">
+                <a:solidFill>
+                  <a:srgbClr val="7030A0"/>
+                </a:solidFill>
+                <a:latin typeface="Consolas" panose="020B0609020204030204" pitchFamily="49" charset="0"/>
+              </a:rPr>
+              <a:t>?request-parameters</a:t>
+            </a:r>
+            <a:r>
+              <a:rPr lang="en-US" altLang="en-US" dirty="0" smtClean="0">
+                <a:latin typeface="Consolas" panose="020B0609020204030204" pitchFamily="49" charset="0"/>
+              </a:rPr>
+              <a:t>:</a:t>
+            </a:r>
+            <a:r>
+              <a:rPr lang="ru-RU" altLang="en-US" dirty="0" smtClean="0">
+                <a:latin typeface="Consolas" panose="020B0609020204030204" pitchFamily="49" charset="0"/>
+              </a:rPr>
+              <a:t> отделенный от </a:t>
+            </a:r>
+            <a:r>
+              <a:rPr lang="en-US" altLang="en-US" dirty="0" smtClean="0">
+                <a:latin typeface="Consolas" panose="020B0609020204030204" pitchFamily="49" charset="0"/>
+              </a:rPr>
+              <a:t>URL </a:t>
+            </a:r>
+            <a:r>
+              <a:rPr lang="ru-RU" altLang="en-US" dirty="0" smtClean="0">
+                <a:latin typeface="Consolas" panose="020B0609020204030204" pitchFamily="49" charset="0"/>
+              </a:rPr>
+              <a:t>с помощью знака вопроса </a:t>
+            </a:r>
+            <a:r>
+              <a:rPr lang="en-US" altLang="en-US" dirty="0" smtClean="0">
+                <a:latin typeface="Consolas" panose="020B0609020204030204" pitchFamily="49" charset="0"/>
+              </a:rPr>
+              <a:t>“?” </a:t>
+            </a:r>
+            <a:r>
+              <a:rPr lang="ru-RU" altLang="en-US" dirty="0" smtClean="0">
+                <a:latin typeface="Consolas" panose="020B0609020204030204" pitchFamily="49" charset="0"/>
+              </a:rPr>
+              <a:t>набор параметров в виде «имя-значение», разделенных знаком амперсанда </a:t>
+            </a:r>
+            <a:r>
+              <a:rPr lang="en-US" altLang="en-US" dirty="0" smtClean="0">
+                <a:latin typeface="Consolas" panose="020B0609020204030204" pitchFamily="49" charset="0"/>
+              </a:rPr>
+              <a:t>“&amp;”</a:t>
+            </a:r>
+          </a:p>
+          <a:p>
+            <a:r>
+              <a:rPr lang="en-US" altLang="en-US" dirty="0">
+                <a:solidFill>
+                  <a:srgbClr val="7030A0"/>
+                </a:solidFill>
+                <a:latin typeface="Consolas" panose="020B0609020204030204" pitchFamily="49" charset="0"/>
+              </a:rPr>
+              <a:t>#</a:t>
+            </a:r>
+            <a:r>
+              <a:rPr lang="en-US" altLang="en-US" dirty="0" err="1" smtClean="0">
+                <a:solidFill>
+                  <a:srgbClr val="7030A0"/>
+                </a:solidFill>
+                <a:latin typeface="Consolas" panose="020B0609020204030204" pitchFamily="49" charset="0"/>
+              </a:rPr>
+              <a:t>nameAnchor</a:t>
+            </a:r>
+            <a:r>
+              <a:rPr lang="en-US" altLang="en-US" dirty="0" smtClean="0">
+                <a:latin typeface="Consolas" panose="020B0609020204030204" pitchFamily="49" charset="0"/>
+              </a:rPr>
+              <a:t>: </a:t>
+            </a:r>
+            <a:r>
+              <a:rPr lang="ru-RU" altLang="en-US" dirty="0" smtClean="0">
+                <a:latin typeface="Consolas" panose="020B0609020204030204" pitchFamily="49" charset="0"/>
+              </a:rPr>
+              <a:t>определяет фрагмент в </a:t>
+            </a:r>
+            <a:r>
+              <a:rPr lang="en-US" altLang="en-US" dirty="0" smtClean="0">
+                <a:latin typeface="Consolas" panose="020B0609020204030204" pitchFamily="49" charset="0"/>
+              </a:rPr>
+              <a:t>HTML </a:t>
+            </a:r>
+            <a:r>
+              <a:rPr lang="ru-RU" altLang="en-US" dirty="0" smtClean="0">
+                <a:latin typeface="Consolas" panose="020B0609020204030204" pitchFamily="49" charset="0"/>
+              </a:rPr>
+              <a:t>разметке по названию элемента (тэга)</a:t>
+            </a:r>
+            <a:endParaRPr lang="en-GB" dirty="0"/>
+          </a:p>
+          <a:p>
+            <a:endParaRPr lang="en-GB" dirty="0"/>
+          </a:p>
+          <a:p>
+            <a:endParaRPr lang="en-GB" dirty="0"/>
+          </a:p>
+        </p:txBody>
+      </p:sp>
+      <p:sp>
+        <p:nvSpPr>
+          <p:cNvPr id="4" name="Дата 3"/>
+          <p:cNvSpPr>
+            <a:spLocks noGrp="1"/>
+          </p:cNvSpPr>
+          <p:nvPr>
+            <p:ph type="dt" sz="half" idx="10"/>
+          </p:nvPr>
+        </p:nvSpPr>
+        <p:spPr/>
+        <p:txBody>
+          <a:bodyPr/>
+          <a:lstStyle/>
+          <a:p>
+            <a:r>
+              <a:rPr lang="en-US" smtClean="0"/>
+              <a:t>01.03.2016</a:t>
+            </a:r>
+            <a:endParaRPr lang="en-GB"/>
+          </a:p>
+        </p:txBody>
+      </p:sp>
+      <p:sp>
+        <p:nvSpPr>
+          <p:cNvPr id="5" name="Нижний колонтитул 4"/>
+          <p:cNvSpPr>
+            <a:spLocks noGrp="1"/>
+          </p:cNvSpPr>
+          <p:nvPr>
+            <p:ph type="ftr" sz="quarter" idx="11"/>
+          </p:nvPr>
+        </p:nvSpPr>
+        <p:spPr/>
+        <p:txBody>
+          <a:bodyPr/>
+          <a:lstStyle/>
+          <a:p>
+            <a:r>
+              <a:rPr lang="ru-RU" dirty="0" smtClean="0"/>
+              <a:t>Ваганов Михаил </a:t>
+            </a:r>
+            <a:r>
+              <a:rPr lang="ru-RU" dirty="0" smtClean="0"/>
+              <a:t>Викторович </a:t>
+            </a:r>
+            <a:r>
+              <a:rPr lang="en-US" dirty="0" smtClean="0"/>
+              <a:t> </a:t>
+            </a:r>
+            <a:r>
+              <a:rPr lang="en-GB" dirty="0" smtClean="0"/>
+              <a:t>ASP.NET MVC + Oracle Database</a:t>
+            </a:r>
+            <a:endParaRPr lang="en-GB" dirty="0"/>
+          </a:p>
+        </p:txBody>
+      </p:sp>
+      <p:sp>
+        <p:nvSpPr>
+          <p:cNvPr id="6" name="Номер слайда 5"/>
+          <p:cNvSpPr>
+            <a:spLocks noGrp="1"/>
+          </p:cNvSpPr>
+          <p:nvPr>
+            <p:ph type="sldNum" sz="quarter" idx="12"/>
+          </p:nvPr>
+        </p:nvSpPr>
+        <p:spPr/>
+        <p:txBody>
+          <a:bodyPr/>
+          <a:lstStyle/>
+          <a:p>
+            <a:fld id="{8FD3F87F-7A79-4F3D-8F12-CD11A20D067D}" type="slidenum">
+              <a:rPr lang="en-GB" smtClean="0"/>
+              <a:t>17</a:t>
+            </a:fld>
+            <a:endParaRPr lang="en-GB"/>
+          </a:p>
+        </p:txBody>
+      </p:sp>
+      <p:grpSp>
+        <p:nvGrpSpPr>
+          <p:cNvPr id="13" name="Группа 12"/>
+          <p:cNvGrpSpPr/>
+          <p:nvPr/>
+        </p:nvGrpSpPr>
+        <p:grpSpPr>
+          <a:xfrm>
+            <a:off x="838200" y="1573886"/>
+            <a:ext cx="7062171" cy="524947"/>
+            <a:chOff x="838200" y="1573886"/>
+            <a:chExt cx="7062171" cy="524947"/>
+          </a:xfrm>
+        </p:grpSpPr>
+        <p:sp>
+          <p:nvSpPr>
+            <p:cNvPr id="9" name="TextBox 8"/>
+            <p:cNvSpPr txBox="1"/>
+            <p:nvPr/>
+          </p:nvSpPr>
+          <p:spPr>
+            <a:xfrm>
+              <a:off x="838200" y="1575613"/>
+              <a:ext cx="776175" cy="523220"/>
+            </a:xfrm>
+            <a:prstGeom prst="rect">
+              <a:avLst/>
+            </a:prstGeom>
+          </p:spPr>
+          <p:style>
+            <a:lnRef idx="3">
+              <a:schemeClr val="lt1"/>
+            </a:lnRef>
+            <a:fillRef idx="1">
+              <a:schemeClr val="dk1"/>
+            </a:fillRef>
+            <a:effectRef idx="1">
+              <a:schemeClr val="dk1"/>
+            </a:effectRef>
+            <a:fontRef idx="minor">
+              <a:schemeClr val="lt1"/>
+            </a:fontRef>
+          </p:style>
+          <p:txBody>
+            <a:bodyPr wrap="none" rtlCol="0">
+              <a:spAutoFit/>
+            </a:bodyPr>
+            <a:lstStyle/>
+            <a:p>
+              <a:pPr lvl="0" eaLnBrk="0" fontAlgn="base" hangingPunct="0">
+                <a:spcBef>
+                  <a:spcPct val="0"/>
+                </a:spcBef>
+                <a:spcAft>
+                  <a:spcPct val="0"/>
+                </a:spcAft>
+              </a:pPr>
+              <a:r>
+                <a:rPr lang="en-US" altLang="en-US" sz="2800" dirty="0" smtClean="0">
+                  <a:solidFill>
+                    <a:schemeClr val="bg1"/>
+                  </a:solidFill>
+                  <a:latin typeface="Consolas" panose="020B0609020204030204" pitchFamily="49" charset="0"/>
+                </a:rPr>
+                <a:t>URL</a:t>
+              </a:r>
+              <a:endParaRPr lang="en-US" altLang="en-US" sz="6000" dirty="0">
+                <a:solidFill>
+                  <a:schemeClr val="bg1"/>
+                </a:solidFill>
+                <a:latin typeface="Arial" panose="020B0604020202020204" pitchFamily="34" charset="0"/>
+              </a:endParaRPr>
+            </a:p>
+          </p:txBody>
+        </p:sp>
+        <p:sp>
+          <p:nvSpPr>
+            <p:cNvPr id="10" name="TextBox 9"/>
+            <p:cNvSpPr txBox="1"/>
+            <p:nvPr/>
+          </p:nvSpPr>
+          <p:spPr>
+            <a:xfrm>
+              <a:off x="1615958" y="1575613"/>
+              <a:ext cx="3930884" cy="523220"/>
+            </a:xfrm>
+            <a:prstGeom prst="rect">
+              <a:avLst/>
+            </a:prstGeom>
+          </p:spPr>
+          <p:style>
+            <a:lnRef idx="3">
+              <a:schemeClr val="lt1"/>
+            </a:lnRef>
+            <a:fillRef idx="1">
+              <a:schemeClr val="accent2"/>
+            </a:fillRef>
+            <a:effectRef idx="1">
+              <a:schemeClr val="accent2"/>
+            </a:effectRef>
+            <a:fontRef idx="minor">
+              <a:schemeClr val="lt1"/>
+            </a:fontRef>
+          </p:style>
+          <p:txBody>
+            <a:bodyPr wrap="none" rtlCol="0">
+              <a:spAutoFit/>
+            </a:bodyPr>
+            <a:lstStyle/>
+            <a:p>
+              <a:r>
+                <a:rPr lang="en-US" altLang="en-US" sz="2800" dirty="0">
+                  <a:solidFill>
+                    <a:schemeClr val="tx1"/>
+                  </a:solidFill>
+                  <a:latin typeface="Consolas" panose="020B0609020204030204" pitchFamily="49" charset="0"/>
+                </a:rPr>
+                <a:t>?request-parameters</a:t>
+              </a:r>
+              <a:endParaRPr lang="en-GB" sz="2800" dirty="0">
+                <a:solidFill>
+                  <a:schemeClr val="tx1"/>
+                </a:solidFill>
+              </a:endParaRPr>
+            </a:p>
+          </p:txBody>
+        </p:sp>
+        <p:sp>
+          <p:nvSpPr>
+            <p:cNvPr id="11" name="TextBox 10"/>
+            <p:cNvSpPr txBox="1"/>
+            <p:nvPr/>
+          </p:nvSpPr>
+          <p:spPr>
+            <a:xfrm>
+              <a:off x="5546842" y="1573886"/>
+              <a:ext cx="2353529" cy="523220"/>
+            </a:xfrm>
+            <a:prstGeom prst="rect">
+              <a:avLst/>
+            </a:prstGeom>
+          </p:spPr>
+          <p:style>
+            <a:lnRef idx="3">
+              <a:schemeClr val="lt1"/>
+            </a:lnRef>
+            <a:fillRef idx="1">
+              <a:schemeClr val="accent6"/>
+            </a:fillRef>
+            <a:effectRef idx="1">
+              <a:schemeClr val="accent6"/>
+            </a:effectRef>
+            <a:fontRef idx="minor">
+              <a:schemeClr val="lt1"/>
+            </a:fontRef>
+          </p:style>
+          <p:txBody>
+            <a:bodyPr wrap="none" rtlCol="0">
+              <a:spAutoFit/>
+            </a:bodyPr>
+            <a:lstStyle/>
+            <a:p>
+              <a:r>
+                <a:rPr lang="en-US" altLang="en-US" sz="2800" dirty="0" smtClean="0">
+                  <a:solidFill>
+                    <a:schemeClr val="tx1"/>
+                  </a:solidFill>
+                  <a:latin typeface="Consolas" panose="020B0609020204030204" pitchFamily="49" charset="0"/>
+                </a:rPr>
+                <a:t>#</a:t>
+              </a:r>
+              <a:r>
+                <a:rPr lang="en-US" altLang="en-US" sz="2800" dirty="0" err="1" smtClean="0">
+                  <a:solidFill>
+                    <a:schemeClr val="tx1"/>
+                  </a:solidFill>
+                  <a:latin typeface="Consolas" panose="020B0609020204030204" pitchFamily="49" charset="0"/>
+                </a:rPr>
+                <a:t>nameAnchor</a:t>
+              </a:r>
+              <a:endParaRPr lang="en-GB" sz="2800" dirty="0">
+                <a:solidFill>
+                  <a:schemeClr val="tx1"/>
+                </a:solidFill>
+              </a:endParaRPr>
+            </a:p>
+          </p:txBody>
+        </p:sp>
+      </p:grpSp>
+      <p:sp>
+        <p:nvSpPr>
+          <p:cNvPr id="15" name="TextBox 14"/>
+          <p:cNvSpPr txBox="1"/>
+          <p:nvPr/>
+        </p:nvSpPr>
+        <p:spPr>
+          <a:xfrm>
+            <a:off x="838200" y="2118808"/>
+            <a:ext cx="5705408" cy="523220"/>
+          </a:xfrm>
+          <a:prstGeom prst="rect">
+            <a:avLst/>
+          </a:prstGeom>
+        </p:spPr>
+        <p:style>
+          <a:lnRef idx="3">
+            <a:schemeClr val="lt1"/>
+          </a:lnRef>
+          <a:fillRef idx="1">
+            <a:schemeClr val="dk1"/>
+          </a:fillRef>
+          <a:effectRef idx="1">
+            <a:schemeClr val="dk1"/>
+          </a:effectRef>
+          <a:fontRef idx="minor">
+            <a:schemeClr val="lt1"/>
+          </a:fontRef>
+        </p:style>
+        <p:txBody>
+          <a:bodyPr wrap="none" rtlCol="0">
+            <a:spAutoFit/>
+          </a:bodyPr>
+          <a:lstStyle/>
+          <a:p>
+            <a:pPr lvl="0" eaLnBrk="0" fontAlgn="base" hangingPunct="0">
+              <a:spcBef>
+                <a:spcPct val="0"/>
+              </a:spcBef>
+              <a:spcAft>
+                <a:spcPct val="0"/>
+              </a:spcAft>
+            </a:pPr>
+            <a:r>
+              <a:rPr lang="en-US" altLang="en-US" sz="2800" dirty="0">
+                <a:solidFill>
+                  <a:schemeClr val="bg1"/>
+                </a:solidFill>
+                <a:latin typeface="Consolas" panose="020B0609020204030204" pitchFamily="49" charset="0"/>
+              </a:rPr>
+              <a:t>http://www.youtube.com/watch</a:t>
+            </a:r>
+            <a:endParaRPr lang="en-US" altLang="en-US" sz="6000" dirty="0">
+              <a:solidFill>
+                <a:schemeClr val="bg1"/>
+              </a:solidFill>
+              <a:latin typeface="Arial" panose="020B0604020202020204" pitchFamily="34" charset="0"/>
+            </a:endParaRPr>
+          </a:p>
+        </p:txBody>
+      </p:sp>
+      <p:sp>
+        <p:nvSpPr>
+          <p:cNvPr id="16" name="TextBox 15"/>
+          <p:cNvSpPr txBox="1"/>
+          <p:nvPr/>
+        </p:nvSpPr>
+        <p:spPr>
+          <a:xfrm>
+            <a:off x="6543608" y="2118808"/>
+            <a:ext cx="2945037" cy="523220"/>
+          </a:xfrm>
+          <a:prstGeom prst="rect">
+            <a:avLst/>
+          </a:prstGeom>
+        </p:spPr>
+        <p:style>
+          <a:lnRef idx="3">
+            <a:schemeClr val="lt1"/>
+          </a:lnRef>
+          <a:fillRef idx="1">
+            <a:schemeClr val="accent2"/>
+          </a:fillRef>
+          <a:effectRef idx="1">
+            <a:schemeClr val="accent2"/>
+          </a:effectRef>
+          <a:fontRef idx="minor">
+            <a:schemeClr val="lt1"/>
+          </a:fontRef>
+        </p:style>
+        <p:txBody>
+          <a:bodyPr wrap="none" rtlCol="0">
+            <a:spAutoFit/>
+          </a:bodyPr>
+          <a:lstStyle/>
+          <a:p>
+            <a:r>
+              <a:rPr lang="en-US" altLang="en-US" sz="2800" dirty="0" smtClean="0">
+                <a:solidFill>
+                  <a:schemeClr val="tx1"/>
+                </a:solidFill>
+                <a:latin typeface="Consolas" panose="020B0609020204030204" pitchFamily="49" charset="0"/>
+              </a:rPr>
+              <a:t>?v=rcOFV4y5z8c</a:t>
+            </a:r>
+            <a:endParaRPr lang="en-GB" sz="2800" dirty="0">
+              <a:solidFill>
+                <a:schemeClr val="tx1"/>
+              </a:solidFill>
+            </a:endParaRPr>
+          </a:p>
+        </p:txBody>
+      </p:sp>
+      <p:sp>
+        <p:nvSpPr>
+          <p:cNvPr id="17" name="TextBox 16"/>
+          <p:cNvSpPr txBox="1"/>
+          <p:nvPr/>
+        </p:nvSpPr>
+        <p:spPr>
+          <a:xfrm>
+            <a:off x="9488645" y="2118808"/>
+            <a:ext cx="1959191" cy="523220"/>
+          </a:xfrm>
+          <a:prstGeom prst="rect">
+            <a:avLst/>
+          </a:prstGeom>
+        </p:spPr>
+        <p:style>
+          <a:lnRef idx="3">
+            <a:schemeClr val="lt1"/>
+          </a:lnRef>
+          <a:fillRef idx="1">
+            <a:schemeClr val="accent6"/>
+          </a:fillRef>
+          <a:effectRef idx="1">
+            <a:schemeClr val="accent6"/>
+          </a:effectRef>
+          <a:fontRef idx="minor">
+            <a:schemeClr val="lt1"/>
+          </a:fontRef>
+        </p:style>
+        <p:txBody>
+          <a:bodyPr wrap="none" rtlCol="0">
+            <a:spAutoFit/>
+          </a:bodyPr>
+          <a:lstStyle/>
+          <a:p>
+            <a:r>
+              <a:rPr lang="en-US" altLang="en-US" sz="2800" dirty="0" smtClean="0">
+                <a:solidFill>
+                  <a:schemeClr val="tx1"/>
+                </a:solidFill>
+                <a:latin typeface="Consolas" panose="020B0609020204030204" pitchFamily="49" charset="0"/>
+              </a:rPr>
+              <a:t>#comments</a:t>
+            </a:r>
+            <a:endParaRPr lang="en-GB" sz="2800" dirty="0">
+              <a:solidFill>
+                <a:schemeClr val="tx1"/>
+              </a:solidFill>
+            </a:endParaRPr>
+          </a:p>
+        </p:txBody>
+      </p:sp>
+    </p:spTree>
+    <p:extLst>
+      <p:ext uri="{BB962C8B-B14F-4D97-AF65-F5344CB8AC3E}">
+        <p14:creationId xmlns:p14="http://schemas.microsoft.com/office/powerpoint/2010/main" val="104498762"/>
+      </p:ext>
+    </p:extLst>
+  </p:cSld>
+  <p:clrMapOvr>
+    <a:masterClrMapping/>
+  </p:clrMapOvr>
+  <p:timing>
+    <p:tnLst>
+      <p:par>
+        <p:cTn id="1" dur="indefinite" restart="never" nodeType="tmRoot"/>
+      </p:par>
+    </p:tnLst>
+  </p:timing>
+</p:sld>
+</file>
+
+<file path=ppt/slides/slide18.xml><?xml version="1.0" encoding="utf-8"?>
+<p:sld xmlns:a="http://schemas.openxmlformats.org/drawingml/2006/main" xmlns:r="http://schemas.openxmlformats.org/officeDocument/2006/relationships" xmlns:p="http://schemas.openxmlformats.org/presentationml/2006/main">
+  <p:cSld>
+    <p:spTree>
+      <p:nvGrpSpPr>
+        <p:cNvPr id="1" name=""/>
+        <p:cNvGrpSpPr/>
+        <p:nvPr/>
+      </p:nvGrpSpPr>
+      <p:grpSpPr>
+        <a:xfrm>
+          <a:off x="0" y="0"/>
+          <a:ext cx="0" cy="0"/>
+          <a:chOff x="0" y="0"/>
+          <a:chExt cx="0" cy="0"/>
+        </a:xfrm>
+      </p:grpSpPr>
+      <p:sp>
+        <p:nvSpPr>
+          <p:cNvPr id="2" name="Заголовок 1"/>
+          <p:cNvSpPr>
+            <a:spLocks noGrp="1"/>
+          </p:cNvSpPr>
+          <p:nvPr>
+            <p:ph type="title"/>
+          </p:nvPr>
+        </p:nvSpPr>
+        <p:spPr/>
+        <p:txBody>
+          <a:bodyPr/>
+          <a:lstStyle/>
+          <a:p>
+            <a:r>
+              <a:rPr lang="ru-RU" dirty="0" smtClean="0"/>
+              <a:t>Ссылки на полезную информацию</a:t>
+            </a:r>
+            <a:endParaRPr lang="en-GB" dirty="0"/>
+          </a:p>
+        </p:txBody>
+      </p:sp>
+      <p:sp>
+        <p:nvSpPr>
+          <p:cNvPr id="3" name="Объект 2"/>
+          <p:cNvSpPr>
+            <a:spLocks noGrp="1"/>
+          </p:cNvSpPr>
+          <p:nvPr>
+            <p:ph idx="1"/>
+          </p:nvPr>
+        </p:nvSpPr>
+        <p:spPr/>
+        <p:txBody>
+          <a:bodyPr/>
+          <a:lstStyle/>
+          <a:p>
+            <a:r>
+              <a:rPr lang="en-GB" dirty="0">
+                <a:hlinkClick r:id="rId2"/>
+              </a:rPr>
+              <a:t>https://</a:t>
+            </a:r>
+            <a:r>
+              <a:rPr lang="en-GB" dirty="0" smtClean="0">
+                <a:hlinkClick r:id="rId2"/>
+              </a:rPr>
+              <a:t>www.ntu.edu.sg/home/ehchua/programming/webprogramming/HTTP_Basics.html</a:t>
+            </a:r>
+            <a:endParaRPr lang="ru-RU" dirty="0" smtClean="0"/>
+          </a:p>
+          <a:p>
+            <a:endParaRPr lang="en-GB" dirty="0"/>
+          </a:p>
+        </p:txBody>
+      </p:sp>
+      <p:sp>
+        <p:nvSpPr>
+          <p:cNvPr id="4" name="Дата 3"/>
+          <p:cNvSpPr>
+            <a:spLocks noGrp="1"/>
+          </p:cNvSpPr>
+          <p:nvPr>
+            <p:ph type="dt" sz="half" idx="10"/>
+          </p:nvPr>
+        </p:nvSpPr>
+        <p:spPr/>
+        <p:txBody>
+          <a:bodyPr/>
+          <a:lstStyle/>
+          <a:p>
+            <a:r>
+              <a:rPr lang="en-US" dirty="0" smtClean="0"/>
+              <a:t>01.03.2016</a:t>
+            </a:r>
+            <a:endParaRPr lang="en-GB" dirty="0"/>
+          </a:p>
+        </p:txBody>
+      </p:sp>
+      <p:sp>
+        <p:nvSpPr>
+          <p:cNvPr id="5" name="Нижний колонтитул 4"/>
+          <p:cNvSpPr>
+            <a:spLocks noGrp="1"/>
+          </p:cNvSpPr>
+          <p:nvPr>
+            <p:ph type="ftr" sz="quarter" idx="11"/>
+          </p:nvPr>
+        </p:nvSpPr>
+        <p:spPr/>
+        <p:txBody>
+          <a:bodyPr/>
+          <a:lstStyle/>
+          <a:p>
+            <a:r>
+              <a:rPr lang="ru-RU" smtClean="0"/>
+              <a:t>Ваганов Михаил Викторович  ASP.NET MVC + Oracle Database</a:t>
+            </a:r>
+            <a:endParaRPr lang="en-GB"/>
+          </a:p>
+        </p:txBody>
+      </p:sp>
+      <p:sp>
+        <p:nvSpPr>
+          <p:cNvPr id="6" name="Номер слайда 5"/>
+          <p:cNvSpPr>
+            <a:spLocks noGrp="1"/>
+          </p:cNvSpPr>
+          <p:nvPr>
+            <p:ph type="sldNum" sz="quarter" idx="12"/>
+          </p:nvPr>
+        </p:nvSpPr>
+        <p:spPr/>
+        <p:txBody>
+          <a:bodyPr/>
+          <a:lstStyle/>
+          <a:p>
+            <a:fld id="{8FD3F87F-7A79-4F3D-8F12-CD11A20D067D}" type="slidenum">
+              <a:rPr lang="en-GB" smtClean="0"/>
+              <a:t>18</a:t>
+            </a:fld>
+            <a:endParaRPr lang="en-GB"/>
+          </a:p>
+        </p:txBody>
+      </p:sp>
+    </p:spTree>
+    <p:extLst>
+      <p:ext uri="{BB962C8B-B14F-4D97-AF65-F5344CB8AC3E}">
+        <p14:creationId xmlns:p14="http://schemas.microsoft.com/office/powerpoint/2010/main" val="1964765499"/>
       </p:ext>
     </p:extLst>
   </p:cSld>
@@ -4518,7 +7138,7 @@
           <a:p>
             <a:r>
               <a:rPr lang="ru-RU" dirty="0" smtClean="0"/>
-              <a:t>Цель занятия</a:t>
+              <a:t>Задача курса</a:t>
             </a:r>
             <a:endParaRPr lang="en-GB" dirty="0"/>
           </a:p>
@@ -4672,15 +7292,7 @@
           <a:bodyPr/>
           <a:lstStyle/>
           <a:p>
-            <a:r>
-              <a:rPr lang="en-US" dirty="0"/>
-              <a:t>V</a:t>
-            </a:r>
-            <a:r>
-              <a:rPr lang="en-US" dirty="0" smtClean="0"/>
-              <a:t>iew</a:t>
-            </a:r>
-            <a:endParaRPr lang="en-GB" dirty="0"/>
+            <a:endParaRPr lang="en-GB"/>
           </a:p>
         </p:txBody>
       </p:sp>
@@ -4699,26 +7311,7 @@
           <a:bodyPr/>
           <a:lstStyle/>
           <a:p>
-            <a:r>
-              <a:rPr lang="en-US" b="1" dirty="0">
-                <a:solidFill>
-                  <a:srgbClr val="7030A0"/>
-                </a:solidFill>
-              </a:rPr>
-              <a:t>View</a:t>
-            </a:r>
-            <a:r>
-              <a:rPr lang="en-US" dirty="0"/>
-              <a:t> </a:t>
-            </a:r>
-            <a:r>
-              <a:rPr lang="ru-RU" dirty="0"/>
-              <a:t>– пользовательский интерфейс приложение, то, что видит пользователь на экране браузера</a:t>
-            </a:r>
-            <a:endParaRPr lang="en-US" dirty="0"/>
-          </a:p>
-          <a:p>
-            <a:endParaRPr lang="en-GB" dirty="0"/>
+            <a:endParaRPr lang="en-GB"/>
           </a:p>
         </p:txBody>
       </p:sp>
@@ -5484,6 +8077,10 @@
           <a:bodyPr/>
           <a:lstStyle/>
           <a:p>
+            <a:r>
+              <a:rPr lang="en-US" dirty="0" smtClean="0"/>
+              <a:t>Model-View-Controller (MVC)</a:t>
+            </a:r>
             <a:endParaRPr lang="en-GB" dirty="0"/>
           </a:p>
         </p:txBody>
@@ -5503,7 +8100,92 @@
           <a:bodyPr/>
           <a:lstStyle/>
           <a:p>
-            <a:endParaRPr lang="en-GB" dirty="0"/>
+            <a:r>
+              <a:rPr lang="en-US" b="1" dirty="0" smtClean="0">
+                <a:solidFill>
+                  <a:srgbClr val="7030A0"/>
+                </a:solidFill>
+              </a:rPr>
+              <a:t>Model</a:t>
+            </a:r>
+            <a:r>
+              <a:rPr lang="en-US" dirty="0" smtClean="0"/>
+              <a:t> –</a:t>
+            </a:r>
+            <a:r>
+              <a:rPr lang="ru-RU" dirty="0" smtClean="0"/>
+              <a:t> модель представления объектов, данных в приложении. Обычно представляет из себя класс с полями данных, но без методов.</a:t>
+            </a:r>
+          </a:p>
+          <a:p>
+            <a:r>
+              <a:rPr lang="en-US" b="1" dirty="0" smtClean="0">
+                <a:solidFill>
+                  <a:srgbClr val="7030A0"/>
+                </a:solidFill>
+              </a:rPr>
+              <a:t>View</a:t>
+            </a:r>
+            <a:r>
+              <a:rPr lang="en-US" dirty="0" smtClean="0"/>
+              <a:t> </a:t>
+            </a:r>
+            <a:r>
+              <a:rPr lang="ru-RU" dirty="0" smtClean="0"/>
+              <a:t>– пользовательский интерфейс приложение, то, что видит пользователь на экране браузера</a:t>
+            </a:r>
+            <a:endParaRPr lang="en-US" dirty="0" smtClean="0"/>
+          </a:p>
+          <a:p>
+            <a:r>
+              <a:rPr lang="en-US" b="1" dirty="0" smtClean="0">
+                <a:solidFill>
+                  <a:srgbClr val="7030A0"/>
+                </a:solidFill>
+              </a:rPr>
+              <a:t>Controller</a:t>
+            </a:r>
+            <a:r>
+              <a:rPr lang="en-US" dirty="0" smtClean="0"/>
+              <a:t> – </a:t>
+            </a:r>
+            <a:r>
+              <a:rPr lang="ru-RU" dirty="0" smtClean="0"/>
+              <a:t>внутренний элемент, не видный пользователю, отвечающий за логику работы приложения. Связывает </a:t>
+            </a:r>
+            <a:r>
+              <a:rPr lang="en-US" b="1" dirty="0" smtClean="0">
+                <a:solidFill>
+                  <a:srgbClr val="7030A0"/>
+                </a:solidFill>
+              </a:rPr>
+              <a:t>Model</a:t>
+            </a:r>
+            <a:r>
+              <a:rPr lang="en-US" dirty="0" smtClean="0"/>
+              <a:t> </a:t>
+            </a:r>
+            <a:r>
+              <a:rPr lang="ru-RU" dirty="0" smtClean="0"/>
+              <a:t>и</a:t>
+            </a:r>
+            <a:r>
+              <a:rPr lang="en-US" dirty="0" smtClean="0"/>
+              <a:t> </a:t>
+            </a:r>
+            <a:r>
+              <a:rPr lang="en-US" b="1" dirty="0" smtClean="0">
+                <a:solidFill>
+                  <a:srgbClr val="7030A0"/>
+                </a:solidFill>
+              </a:rPr>
+              <a:t>View</a:t>
+            </a:r>
+            <a:endParaRPr lang="en-GB" b="1" dirty="0">
+              <a:solidFill>
+                <a:srgbClr val="7030A0"/>
+              </a:solidFill>
+            </a:endParaRPr>
           </a:p>
         </p:txBody>
       </p:sp>
@@ -5576,56 +8258,10 @@
           </a:p>
         </p:txBody>
       </p:sp>
-      <p:sp>
-        <p:nvSpPr>
-          <p:cNvPr id="7" name="Прямоугольник 6"/>
-          <p:cNvSpPr/>
-          <p:nvPr/>
-        </p:nvSpPr>
-        <p:spPr>
-          <a:xfrm>
-            <a:off x="1" y="0"/>
-            <a:ext cx="12192000" cy="296333"/>
-          </a:xfrm>
-          <a:prstGeom prst="rect">
-            <a:avLst/>
-          </a:prstGeom>
-        </p:spPr>
-        <p:style>
-          <a:lnRef idx="0">
-            <a:schemeClr val="accent5"/>
-          </a:lnRef>
-          <a:fillRef idx="3">
-            <a:schemeClr val="accent5"/>
-          </a:fillRef>
-          <a:effectRef idx="3">
-            <a:schemeClr val="accent5"/>
-          </a:effectRef>
-          <a:fontRef idx="minor">
-            <a:schemeClr val="lt1"/>
-          </a:fontRef>
-        </p:style>
-        <p:txBody>
-          <a:bodyPr rtlCol="0" anchor="ctr"/>
-          <a:lstStyle/>
-          <a:p>
-            <a:pPr algn="ctr"/>
-            <a:r>
-              <a:rPr lang="ru-RU" dirty="0" smtClean="0"/>
-              <a:t>Создание проекта </a:t>
-            </a:r>
-            <a:r>
-              <a:rPr lang="en-US" dirty="0" smtClean="0"/>
-              <a:t>ASP.NET</a:t>
-            </a:r>
-            <a:endParaRPr lang="en-GB" dirty="0"/>
-          </a:p>
-        </p:txBody>
-      </p:sp>
     </p:spTree>
     <p:extLst>
       <p:ext uri="{BB962C8B-B14F-4D97-AF65-F5344CB8AC3E}">
-        <p14:creationId xmlns:p14="http://schemas.microsoft.com/office/powerpoint/2010/main" val="2637532497"/>
+        <p14:creationId xmlns:p14="http://schemas.microsoft.com/office/powerpoint/2010/main" val="3869899697"/>
       </p:ext>
     </p:extLst>
   </p:cSld>
@@ -5674,7 +8310,11 @@
           <a:bodyPr/>
           <a:lstStyle/>
           <a:p>
-            <a:endParaRPr lang="en-GB"/>
+            <a:r>
+              <a:rPr lang="en-US" dirty="0" smtClean="0"/>
+              <a:t>View</a:t>
+            </a:r>
+            <a:endParaRPr lang="en-GB" dirty="0"/>
           </a:p>
         </p:txBody>
       </p:sp>
@@ -5693,6 +8333,10 @@
           <a:bodyPr/>
           <a:lstStyle/>
           <a:p>
+            <a:r>
+              <a:rPr lang="en-US" dirty="0" smtClean="0"/>
+              <a:t>To do: insert the picture of our application here</a:t>
+            </a:r>
             <a:endParaRPr lang="en-GB" dirty="0"/>
           </a:p>
         </p:txBody>
@@ -5766,56 +8410,10 @@
           </a:p>
         </p:txBody>
       </p:sp>
-      <p:sp>
-        <p:nvSpPr>
-          <p:cNvPr id="7" name="Прямоугольник 6"/>
-          <p:cNvSpPr/>
-          <p:nvPr/>
-        </p:nvSpPr>
-        <p:spPr>
-          <a:xfrm>
-            <a:off x="1" y="0"/>
-            <a:ext cx="12192000" cy="296333"/>
-          </a:xfrm>
-          <a:prstGeom prst="rect">
-            <a:avLst/>
-          </a:prstGeom>
-        </p:spPr>
-        <p:style>
-          <a:lnRef idx="0">
-            <a:schemeClr val="accent6"/>
-          </a:lnRef>
-          <a:fillRef idx="3">
-            <a:schemeClr val="accent6"/>
-          </a:fillRef>
-          <a:effectRef idx="3">
-            <a:schemeClr val="accent6"/>
-          </a:effectRef>
-          <a:fontRef idx="minor">
-            <a:schemeClr val="lt1"/>
-          </a:fontRef>
-        </p:style>
-        <p:txBody>
-          <a:bodyPr rtlCol="0" anchor="ctr"/>
-          <a:lstStyle/>
-          <a:p>
-            <a:pPr algn="ctr"/>
-            <a:r>
-              <a:rPr lang="ru-RU" dirty="0" smtClean="0"/>
-              <a:t>Создание проекта </a:t>
-            </a:r>
-            <a:r>
-              <a:rPr lang="en-US" dirty="0" smtClean="0"/>
-              <a:t>ASP.NET</a:t>
-            </a:r>
-            <a:endParaRPr lang="en-GB" dirty="0"/>
-          </a:p>
-        </p:txBody>
-      </p:sp>
     </p:spTree>
     <p:extLst>
       <p:ext uri="{BB962C8B-B14F-4D97-AF65-F5344CB8AC3E}">
-        <p14:creationId xmlns:p14="http://schemas.microsoft.com/office/powerpoint/2010/main" val="453565188"/>
+        <p14:creationId xmlns:p14="http://schemas.microsoft.com/office/powerpoint/2010/main" val="1423666613"/>
       </p:ext>
     </p:extLst>
   </p:cSld>
@@ -5865,8 +8463,35 @@
           <a:lstStyle/>
           <a:p>
             <a:r>
+              <a:rPr lang="en-US" dirty="0" smtClean="0"/>
+              <a:t>Model – </a:t>
+            </a:r>
+            <a:r>
               <a:rPr lang="ru-RU" dirty="0" smtClean="0"/>
-              <a:t>Договоренность об именовании</a:t>
+              <a:t>это класс</a:t>
+            </a:r>
+            <a:endParaRPr lang="en-GB" dirty="0"/>
+          </a:p>
+        </p:txBody>
+      </p:sp>
+      <p:sp>
+        <p:nvSpPr>
+          <p:cNvPr id="3" name="Объект 2"/>
+          <p:cNvSpPr>
+            <a:spLocks noGrp="1"/>
+          </p:cNvSpPr>
+          <p:nvPr>
+            <p:ph idx="1"/>
+          </p:nvPr>
+        </p:nvSpPr>
+        <p:spPr/>
+        <p:txBody>
+          <a:bodyPr/>
+          <a:lstStyle/>
+          <a:p>
+            <a:r>
+              <a:rPr lang="en-US" dirty="0" smtClean="0"/>
+              <a:t>To do: insert the class of user here</a:t>
             </a:r>
             <a:endParaRPr lang="en-GB" dirty="0"/>
           </a:p>
@@ -5937,557 +8562,14 @@
               <a:rPr lang="en-GB" smtClean="0"/>
               <a:t>7</a:t>
             </a:fld>
-            <a:endParaRPr lang="en-GB" dirty="0"/>
-          </a:p>
-        </p:txBody>
-      </p:sp>
-      <p:grpSp>
-        <p:nvGrpSpPr>
-          <p:cNvPr id="7" name="Группа 6"/>
-          <p:cNvGrpSpPr/>
-          <p:nvPr/>
-        </p:nvGrpSpPr>
-        <p:grpSpPr>
-          <a:xfrm>
-            <a:off x="838200" y="1690688"/>
-            <a:ext cx="10515600" cy="2590264"/>
-            <a:chOff x="1127760" y="2659380"/>
-            <a:chExt cx="8023860" cy="2590264"/>
-          </a:xfrm>
-        </p:grpSpPr>
-        <p:sp>
-          <p:nvSpPr>
-            <p:cNvPr id="8" name="Прямоугольник 7"/>
-            <p:cNvSpPr/>
-            <p:nvPr/>
-          </p:nvSpPr>
-          <p:spPr>
-            <a:xfrm>
-              <a:off x="1127760" y="2659380"/>
-              <a:ext cx="8023860" cy="281940"/>
-            </a:xfrm>
-            <a:prstGeom prst="rect">
-              <a:avLst/>
-            </a:prstGeom>
-          </p:spPr>
-          <p:style>
-            <a:lnRef idx="2">
-              <a:schemeClr val="accent5">
-                <a:shade val="50000"/>
-              </a:schemeClr>
-            </a:lnRef>
-            <a:fillRef idx="1">
-              <a:schemeClr val="accent5"/>
-            </a:fillRef>
-            <a:effectRef idx="0">
-              <a:schemeClr val="accent5"/>
-            </a:effectRef>
-            <a:fontRef idx="minor">
-              <a:schemeClr val="lt1"/>
-            </a:fontRef>
-          </p:style>
-          <p:txBody>
-            <a:bodyPr rtlCol="0" anchor="ctr"/>
-            <a:lstStyle/>
-            <a:p>
-              <a:pPr algn="ctr"/>
-              <a:r>
-                <a:rPr lang="en-US" dirty="0" err="1" smtClean="0"/>
-                <a:t>ApplicantsController.cs</a:t>
-              </a:r>
-              <a:endParaRPr lang="en-GB" dirty="0"/>
-            </a:p>
-          </p:txBody>
-        </p:sp>
-        <p:sp>
-          <p:nvSpPr>
-            <p:cNvPr id="9" name="TextBox 8"/>
-            <p:cNvSpPr txBox="1"/>
-            <p:nvPr/>
-          </p:nvSpPr>
-          <p:spPr>
-            <a:xfrm>
-              <a:off x="1127760" y="2941320"/>
-              <a:ext cx="8023860" cy="2308324"/>
-            </a:xfrm>
-            <a:prstGeom prst="rect">
-              <a:avLst/>
-            </a:prstGeom>
-            <a:ln/>
-          </p:spPr>
-          <p:style>
-            <a:lnRef idx="2">
-              <a:schemeClr val="accent5"/>
-            </a:lnRef>
-            <a:fillRef idx="1">
-              <a:schemeClr val="lt1"/>
-            </a:fillRef>
-            <a:effectRef idx="0">
-              <a:schemeClr val="accent5"/>
-            </a:effectRef>
-            <a:fontRef idx="minor">
-              <a:schemeClr val="dk1"/>
-            </a:fontRef>
-          </p:style>
-          <p:txBody>
-            <a:bodyPr wrap="square" rtlCol="0">
-              <a:spAutoFit/>
-            </a:bodyPr>
-            <a:lstStyle/>
-            <a:p>
-              <a:r>
-                <a:rPr lang="en-GB" dirty="0">
-                  <a:solidFill>
-                    <a:srgbClr val="0000FF"/>
-                  </a:solidFill>
-                  <a:highlight>
-                    <a:srgbClr val="FFFFFF"/>
-                  </a:highlight>
-                  <a:latin typeface="Consolas" panose="020B0609020204030204" pitchFamily="49" charset="0"/>
-                </a:rPr>
-                <a:t>public</a:t>
-              </a:r>
-              <a:r>
-                <a:rPr lang="en-GB" dirty="0">
-                  <a:solidFill>
-                    <a:srgbClr val="000000"/>
-                  </a:solidFill>
-                  <a:highlight>
-                    <a:srgbClr val="FFFFFF"/>
-                  </a:highlight>
-                  <a:latin typeface="Consolas" panose="020B0609020204030204" pitchFamily="49" charset="0"/>
-                </a:rPr>
-                <a:t> </a:t>
-              </a:r>
-              <a:r>
-                <a:rPr lang="en-GB" dirty="0">
-                  <a:solidFill>
-                    <a:srgbClr val="0000FF"/>
-                  </a:solidFill>
-                  <a:highlight>
-                    <a:srgbClr val="FFFFFF"/>
-                  </a:highlight>
-                  <a:latin typeface="Consolas" panose="020B0609020204030204" pitchFamily="49" charset="0"/>
-                </a:rPr>
-                <a:t>class</a:t>
-              </a:r>
-              <a:r>
-                <a:rPr lang="en-GB" dirty="0">
-                  <a:solidFill>
-                    <a:srgbClr val="000000"/>
-                  </a:solidFill>
-                  <a:highlight>
-                    <a:srgbClr val="FFFFFF"/>
-                  </a:highlight>
-                  <a:latin typeface="Consolas" panose="020B0609020204030204" pitchFamily="49" charset="0"/>
-                </a:rPr>
-                <a:t> </a:t>
-              </a:r>
-              <a:r>
-                <a:rPr lang="en-GB" dirty="0" smtClean="0">
-                  <a:solidFill>
-                    <a:srgbClr val="2B91AF"/>
-                  </a:solidFill>
-                  <a:highlight>
-                    <a:srgbClr val="FFFFFF"/>
-                  </a:highlight>
-                  <a:latin typeface="Consolas" panose="020B0609020204030204" pitchFamily="49" charset="0"/>
-                </a:rPr>
-                <a:t>ApplicantsController</a:t>
-              </a:r>
-              <a:r>
-                <a:rPr lang="en-GB" dirty="0" smtClean="0">
-                  <a:solidFill>
-                    <a:srgbClr val="000000"/>
-                  </a:solidFill>
-                  <a:highlight>
-                    <a:srgbClr val="FFFFFF"/>
-                  </a:highlight>
-                  <a:latin typeface="Consolas" panose="020B0609020204030204" pitchFamily="49" charset="0"/>
-                </a:rPr>
-                <a:t> </a:t>
-              </a:r>
-              <a:r>
-                <a:rPr lang="en-GB" dirty="0">
-                  <a:solidFill>
-                    <a:srgbClr val="000000"/>
-                  </a:solidFill>
-                  <a:highlight>
-                    <a:srgbClr val="FFFFFF"/>
-                  </a:highlight>
-                  <a:latin typeface="Consolas" panose="020B0609020204030204" pitchFamily="49" charset="0"/>
-                </a:rPr>
-                <a:t>: </a:t>
-              </a:r>
-              <a:r>
-                <a:rPr lang="en-GB" dirty="0" smtClean="0">
-                  <a:solidFill>
-                    <a:srgbClr val="2B91AF"/>
-                  </a:solidFill>
-                  <a:highlight>
-                    <a:srgbClr val="FFFFFF"/>
-                  </a:highlight>
-                  <a:latin typeface="Consolas" panose="020B0609020204030204" pitchFamily="49" charset="0"/>
-                </a:rPr>
-                <a:t>Controller</a:t>
-              </a:r>
-            </a:p>
-            <a:p>
-              <a:r>
-                <a:rPr lang="en-GB" dirty="0">
-                  <a:solidFill>
-                    <a:srgbClr val="000000"/>
-                  </a:solidFill>
-                  <a:highlight>
-                    <a:srgbClr val="FFFFFF"/>
-                  </a:highlight>
-                  <a:latin typeface="Consolas" panose="020B0609020204030204" pitchFamily="49" charset="0"/>
-                </a:rPr>
-                <a:t>{</a:t>
-              </a:r>
-              <a:endParaRPr lang="en-GB" dirty="0" smtClean="0">
-                <a:solidFill>
-                  <a:srgbClr val="0000FF"/>
-                </a:solidFill>
-                <a:highlight>
-                  <a:srgbClr val="FFFFFF"/>
-                </a:highlight>
-                <a:latin typeface="Consolas" panose="020B0609020204030204" pitchFamily="49" charset="0"/>
-              </a:endParaRPr>
-            </a:p>
-            <a:p>
-              <a:r>
-                <a:rPr lang="en-GB" dirty="0" smtClean="0">
-                  <a:solidFill>
-                    <a:srgbClr val="0000FF"/>
-                  </a:solidFill>
-                  <a:highlight>
-                    <a:srgbClr val="FFFFFF"/>
-                  </a:highlight>
-                  <a:latin typeface="Consolas" panose="020B0609020204030204" pitchFamily="49" charset="0"/>
-                </a:rPr>
-                <a:t>	public</a:t>
-              </a:r>
-              <a:r>
-                <a:rPr lang="en-GB" dirty="0" smtClean="0">
-                  <a:solidFill>
-                    <a:srgbClr val="000000"/>
-                  </a:solidFill>
-                  <a:highlight>
-                    <a:srgbClr val="FFFFFF"/>
-                  </a:highlight>
-                  <a:latin typeface="Consolas" panose="020B0609020204030204" pitchFamily="49" charset="0"/>
-                </a:rPr>
-                <a:t> </a:t>
-              </a:r>
-              <a:r>
-                <a:rPr lang="en-GB" dirty="0" err="1">
-                  <a:solidFill>
-                    <a:srgbClr val="2B91AF"/>
-                  </a:solidFill>
-                  <a:highlight>
-                    <a:srgbClr val="FFFFFF"/>
-                  </a:highlight>
-                  <a:latin typeface="Consolas" panose="020B0609020204030204" pitchFamily="49" charset="0"/>
-                </a:rPr>
-                <a:t>ActionResult</a:t>
-              </a:r>
-              <a:r>
-                <a:rPr lang="en-GB" dirty="0">
-                  <a:solidFill>
-                    <a:srgbClr val="000000"/>
-                  </a:solidFill>
-                  <a:highlight>
-                    <a:srgbClr val="FFFFFF"/>
-                  </a:highlight>
-                  <a:latin typeface="Consolas" panose="020B0609020204030204" pitchFamily="49" charset="0"/>
-                </a:rPr>
-                <a:t> Index()</a:t>
-              </a:r>
-            </a:p>
-            <a:p>
-              <a:r>
-                <a:rPr lang="en-GB" dirty="0" smtClean="0">
-                  <a:solidFill>
-                    <a:srgbClr val="000000"/>
-                  </a:solidFill>
-                  <a:highlight>
-                    <a:srgbClr val="FFFFFF"/>
-                  </a:highlight>
-                  <a:latin typeface="Consolas" panose="020B0609020204030204" pitchFamily="49" charset="0"/>
-                </a:rPr>
-                <a:t>	{</a:t>
-              </a:r>
-              <a:r>
-                <a:rPr lang="en-GB" dirty="0" smtClean="0">
-                  <a:solidFill>
-                    <a:srgbClr val="0000FF"/>
-                  </a:solidFill>
-                  <a:highlight>
-                    <a:srgbClr val="FFFFFF"/>
-                  </a:highlight>
-                  <a:latin typeface="Consolas" panose="020B0609020204030204" pitchFamily="49" charset="0"/>
-                </a:rPr>
-                <a:t>		</a:t>
-              </a:r>
-            </a:p>
-            <a:p>
-              <a:r>
-                <a:rPr lang="en-GB" dirty="0">
-                  <a:solidFill>
-                    <a:srgbClr val="0000FF"/>
-                  </a:solidFill>
-                  <a:highlight>
-                    <a:srgbClr val="FFFFFF"/>
-                  </a:highlight>
-                  <a:latin typeface="Consolas" panose="020B0609020204030204" pitchFamily="49" charset="0"/>
-                </a:rPr>
-                <a:t>	</a:t>
-              </a:r>
-              <a:r>
-                <a:rPr lang="en-GB" dirty="0" smtClean="0">
-                  <a:solidFill>
-                    <a:srgbClr val="0000FF"/>
-                  </a:solidFill>
-                  <a:highlight>
-                    <a:srgbClr val="FFFFFF"/>
-                  </a:highlight>
-                  <a:latin typeface="Consolas" panose="020B0609020204030204" pitchFamily="49" charset="0"/>
-                </a:rPr>
-                <a:t>	return</a:t>
-              </a:r>
-              <a:r>
-                <a:rPr lang="en-GB" dirty="0" smtClean="0">
-                  <a:solidFill>
-                    <a:srgbClr val="000000"/>
-                  </a:solidFill>
-                  <a:highlight>
-                    <a:srgbClr val="FFFFFF"/>
-                  </a:highlight>
-                  <a:latin typeface="Consolas" panose="020B0609020204030204" pitchFamily="49" charset="0"/>
-                </a:rPr>
-                <a:t> View();</a:t>
-              </a:r>
-              <a:endParaRPr lang="en-GB" dirty="0">
-                <a:solidFill>
-                  <a:srgbClr val="000000"/>
-                </a:solidFill>
-                <a:highlight>
-                  <a:srgbClr val="FFFFFF"/>
-                </a:highlight>
-                <a:latin typeface="Consolas" panose="020B0609020204030204" pitchFamily="49" charset="0"/>
-              </a:endParaRPr>
-            </a:p>
-            <a:p>
-              <a:r>
-                <a:rPr lang="en-GB" dirty="0" smtClean="0">
-                  <a:solidFill>
-                    <a:srgbClr val="000000"/>
-                  </a:solidFill>
-                  <a:highlight>
-                    <a:srgbClr val="FFFFFF"/>
-                  </a:highlight>
-                  <a:latin typeface="Consolas" panose="020B0609020204030204" pitchFamily="49" charset="0"/>
-                </a:rPr>
-                <a:t>	}</a:t>
-              </a:r>
-            </a:p>
-            <a:p>
-              <a:r>
-                <a:rPr lang="en-GB" dirty="0">
-                  <a:solidFill>
-                    <a:srgbClr val="000000"/>
-                  </a:solidFill>
-                  <a:highlight>
-                    <a:srgbClr val="FFFFFF"/>
-                  </a:highlight>
-                  <a:latin typeface="Consolas" panose="020B0609020204030204" pitchFamily="49" charset="0"/>
-                </a:rPr>
-                <a:t>}</a:t>
-              </a:r>
-              <a:endParaRPr lang="en-GB" dirty="0"/>
-            </a:p>
-            <a:p>
-              <a:endParaRPr lang="en-GB" dirty="0"/>
-            </a:p>
-          </p:txBody>
-        </p:sp>
-      </p:grpSp>
-      <p:sp>
-        <p:nvSpPr>
-          <p:cNvPr id="10" name="TextBox 9"/>
-          <p:cNvSpPr txBox="1"/>
-          <p:nvPr/>
-        </p:nvSpPr>
-        <p:spPr>
-          <a:xfrm>
-            <a:off x="838200" y="4727811"/>
-            <a:ext cx="10515600" cy="1384995"/>
-          </a:xfrm>
-          <a:prstGeom prst="rect">
-            <a:avLst/>
-          </a:prstGeom>
-        </p:spPr>
-        <p:style>
-          <a:lnRef idx="3">
-            <a:schemeClr val="lt1"/>
-          </a:lnRef>
-          <a:fillRef idx="1">
-            <a:schemeClr val="accent6"/>
-          </a:fillRef>
-          <a:effectRef idx="1">
-            <a:schemeClr val="accent6"/>
-          </a:effectRef>
-          <a:fontRef idx="minor">
-            <a:schemeClr val="lt1"/>
-          </a:fontRef>
-        </p:style>
-        <p:txBody>
-          <a:bodyPr wrap="square" rtlCol="0">
-            <a:spAutoFit/>
-          </a:bodyPr>
-          <a:lstStyle/>
-          <a:p>
-            <a:r>
-              <a:rPr lang="en-US" sz="2800" dirty="0" smtClean="0">
-                <a:solidFill>
-                  <a:schemeClr val="bg1"/>
-                </a:solidFill>
-              </a:rPr>
-              <a:t>MVC</a:t>
-            </a:r>
-            <a:r>
-              <a:rPr lang="ru-RU" sz="2800" dirty="0" smtClean="0">
-                <a:solidFill>
-                  <a:schemeClr val="bg1"/>
-                </a:solidFill>
-              </a:rPr>
-              <a:t> автоматически ищет директорию </a:t>
-            </a:r>
-            <a:r>
-              <a:rPr lang="en-US" sz="2800" dirty="0" smtClean="0">
-                <a:solidFill>
-                  <a:srgbClr val="FFFF00"/>
-                </a:solidFill>
-              </a:rPr>
-              <a:t>Applicants</a:t>
-            </a:r>
-            <a:r>
-              <a:rPr lang="en-US" sz="2800" dirty="0" smtClean="0">
-                <a:solidFill>
-                  <a:schemeClr val="bg1"/>
-                </a:solidFill>
-              </a:rPr>
-              <a:t> </a:t>
-            </a:r>
-            <a:r>
-              <a:rPr lang="ru-RU" sz="2800" dirty="0" smtClean="0">
-                <a:solidFill>
-                  <a:schemeClr val="bg1"/>
-                </a:solidFill>
-              </a:rPr>
-              <a:t>по названию контроллера </a:t>
-            </a:r>
-            <a:r>
-              <a:rPr lang="en-US" sz="2800" dirty="0" smtClean="0">
-                <a:solidFill>
-                  <a:schemeClr val="bg1"/>
-                </a:solidFill>
-              </a:rPr>
-              <a:t>(</a:t>
-            </a:r>
-            <a:r>
-              <a:rPr lang="en-US" sz="2800" dirty="0" err="1" smtClean="0">
-                <a:solidFill>
-                  <a:schemeClr val="bg1"/>
-                </a:solidFill>
-              </a:rPr>
-              <a:t>ApplicantsController</a:t>
-            </a:r>
-            <a:r>
-              <a:rPr lang="en-US" sz="2800" dirty="0" smtClean="0">
-                <a:solidFill>
-                  <a:schemeClr val="bg1"/>
-                </a:solidFill>
-              </a:rPr>
-              <a:t>) </a:t>
-            </a:r>
-            <a:r>
-              <a:rPr lang="ru-RU" sz="2800" dirty="0" smtClean="0">
-                <a:solidFill>
-                  <a:schemeClr val="bg1"/>
-                </a:solidFill>
-              </a:rPr>
-              <a:t>и файл </a:t>
-            </a:r>
-            <a:r>
-              <a:rPr lang="en-US" sz="2800" dirty="0" err="1" smtClean="0">
-                <a:solidFill>
-                  <a:srgbClr val="FFFF00"/>
-                </a:solidFill>
-              </a:rPr>
-              <a:t>Index.cshtml</a:t>
-            </a:r>
-            <a:r>
-              <a:rPr lang="en-US" sz="2800" dirty="0" smtClean="0">
-                <a:solidFill>
-                  <a:schemeClr val="bg1"/>
-                </a:solidFill>
-              </a:rPr>
-              <a:t> </a:t>
-            </a:r>
-            <a:r>
-              <a:rPr lang="ru-RU" sz="2800" dirty="0" smtClean="0">
-                <a:solidFill>
-                  <a:schemeClr val="bg1"/>
-                </a:solidFill>
-              </a:rPr>
-              <a:t>по названию метода</a:t>
-            </a:r>
-            <a:r>
-              <a:rPr lang="en-US" sz="2800" dirty="0" smtClean="0">
-                <a:solidFill>
-                  <a:schemeClr val="bg1"/>
-                </a:solidFill>
-              </a:rPr>
-              <a:t> (Index()). </a:t>
-            </a:r>
-            <a:r>
-              <a:rPr lang="ru-RU" sz="2800" dirty="0" smtClean="0">
-                <a:solidFill>
-                  <a:schemeClr val="bg1"/>
-                </a:solidFill>
-              </a:rPr>
-              <a:t>Если не нашел – ищет в директории </a:t>
-            </a:r>
-            <a:r>
-              <a:rPr lang="en-US" sz="2800" dirty="0" smtClean="0">
-                <a:solidFill>
-                  <a:srgbClr val="FFFF00"/>
-                </a:solidFill>
-              </a:rPr>
-              <a:t>Shared</a:t>
-            </a:r>
-            <a:r>
-              <a:rPr lang="en-US" sz="2800" dirty="0" smtClean="0">
-                <a:solidFill>
-                  <a:schemeClr val="bg1"/>
-                </a:solidFill>
-              </a:rPr>
-              <a:t>.</a:t>
-            </a:r>
-            <a:endParaRPr lang="en-GB" sz="2800" dirty="0">
-              <a:solidFill>
-                <a:schemeClr val="bg1"/>
-              </a:solidFill>
-            </a:endParaRPr>
+            <a:endParaRPr lang="en-GB"/>
           </a:p>
         </p:txBody>
       </p:sp>
     </p:spTree>
     <p:extLst>
       <p:ext uri="{BB962C8B-B14F-4D97-AF65-F5344CB8AC3E}">
-        <p14:creationId xmlns:p14="http://schemas.microsoft.com/office/powerpoint/2010/main" val="468406526"/>
+        <p14:creationId xmlns:p14="http://schemas.microsoft.com/office/powerpoint/2010/main" val="713820648"/>
       </p:ext>
     </p:extLst>
   </p:cSld>
@@ -6537,8 +8619,31 @@
           <a:lstStyle/>
           <a:p>
             <a:r>
-              <a:rPr lang="ru-RU" dirty="0" smtClean="0"/>
-              <a:t>Договоренность об именовании (2)</a:t>
+              <a:rPr lang="en-US" dirty="0" smtClean="0"/>
+              <a:t>Controller</a:t>
+            </a:r>
+            <a:endParaRPr lang="en-GB" dirty="0"/>
+          </a:p>
+        </p:txBody>
+      </p:sp>
+      <p:sp>
+        <p:nvSpPr>
+          <p:cNvPr id="3" name="Объект 2"/>
+          <p:cNvSpPr>
+            <a:spLocks noGrp="1"/>
+          </p:cNvSpPr>
+          <p:nvPr>
+            <p:ph idx="1"/>
+          </p:nvPr>
+        </p:nvSpPr>
+        <p:spPr/>
+        <p:txBody>
+          <a:bodyPr/>
+          <a:lstStyle/>
+          <a:p>
+            <a:r>
+              <a:rPr lang="en-US" dirty="0" smtClean="0"/>
+              <a:t>To do: insert the scheme of MVC interaction here + interaction with other components of the application</a:t>
             </a:r>
             <a:endParaRPr lang="en-GB" dirty="0"/>
           </a:p>
@@ -6609,613 +8714,14 @@
               <a:rPr lang="en-GB" smtClean="0"/>
               <a:t>8</a:t>
             </a:fld>
-            <a:endParaRPr lang="en-GB" dirty="0"/>
-          </a:p>
-        </p:txBody>
-      </p:sp>
-      <p:grpSp>
-        <p:nvGrpSpPr>
-          <p:cNvPr id="7" name="Группа 6"/>
-          <p:cNvGrpSpPr/>
-          <p:nvPr/>
-        </p:nvGrpSpPr>
-        <p:grpSpPr>
-          <a:xfrm>
-            <a:off x="838200" y="1690688"/>
-            <a:ext cx="10515600" cy="2590264"/>
-            <a:chOff x="1127760" y="2659380"/>
-            <a:chExt cx="8023860" cy="2590264"/>
-          </a:xfrm>
-        </p:grpSpPr>
-        <p:sp>
-          <p:nvSpPr>
-            <p:cNvPr id="8" name="Прямоугольник 7"/>
-            <p:cNvSpPr/>
-            <p:nvPr/>
-          </p:nvSpPr>
-          <p:spPr>
-            <a:xfrm>
-              <a:off x="1127760" y="2659380"/>
-              <a:ext cx="8023860" cy="281940"/>
-            </a:xfrm>
-            <a:prstGeom prst="rect">
-              <a:avLst/>
-            </a:prstGeom>
-          </p:spPr>
-          <p:style>
-            <a:lnRef idx="2">
-              <a:schemeClr val="accent5">
-                <a:shade val="50000"/>
-              </a:schemeClr>
-            </a:lnRef>
-            <a:fillRef idx="1">
-              <a:schemeClr val="accent5"/>
-            </a:fillRef>
-            <a:effectRef idx="0">
-              <a:schemeClr val="accent5"/>
-            </a:effectRef>
-            <a:fontRef idx="minor">
-              <a:schemeClr val="lt1"/>
-            </a:fontRef>
-          </p:style>
-          <p:txBody>
-            <a:bodyPr rtlCol="0" anchor="ctr"/>
-            <a:lstStyle/>
-            <a:p>
-              <a:pPr algn="ctr"/>
-              <a:r>
-                <a:rPr lang="en-US" dirty="0" err="1" smtClean="0"/>
-                <a:t>ApplicantsController.cs</a:t>
-              </a:r>
-              <a:endParaRPr lang="en-GB" dirty="0"/>
-            </a:p>
-          </p:txBody>
-        </p:sp>
-        <p:sp>
-          <p:nvSpPr>
-            <p:cNvPr id="9" name="TextBox 8"/>
-            <p:cNvSpPr txBox="1"/>
-            <p:nvPr/>
-          </p:nvSpPr>
-          <p:spPr>
-            <a:xfrm>
-              <a:off x="1127760" y="2941320"/>
-              <a:ext cx="8023860" cy="2308324"/>
-            </a:xfrm>
-            <a:prstGeom prst="rect">
-              <a:avLst/>
-            </a:prstGeom>
-            <a:ln/>
-          </p:spPr>
-          <p:style>
-            <a:lnRef idx="2">
-              <a:schemeClr val="accent5"/>
-            </a:lnRef>
-            <a:fillRef idx="1">
-              <a:schemeClr val="lt1"/>
-            </a:fillRef>
-            <a:effectRef idx="0">
-              <a:schemeClr val="accent5"/>
-            </a:effectRef>
-            <a:fontRef idx="minor">
-              <a:schemeClr val="dk1"/>
-            </a:fontRef>
-          </p:style>
-          <p:txBody>
-            <a:bodyPr wrap="square" rtlCol="0">
-              <a:spAutoFit/>
-            </a:bodyPr>
-            <a:lstStyle/>
-            <a:p>
-              <a:r>
-                <a:rPr lang="en-GB" dirty="0">
-                  <a:solidFill>
-                    <a:srgbClr val="0000FF"/>
-                  </a:solidFill>
-                  <a:highlight>
-                    <a:srgbClr val="FFFFFF"/>
-                  </a:highlight>
-                  <a:latin typeface="Consolas" panose="020B0609020204030204" pitchFamily="49" charset="0"/>
-                </a:rPr>
-                <a:t>public</a:t>
-              </a:r>
-              <a:r>
-                <a:rPr lang="en-GB" dirty="0">
-                  <a:solidFill>
-                    <a:srgbClr val="000000"/>
-                  </a:solidFill>
-                  <a:highlight>
-                    <a:srgbClr val="FFFFFF"/>
-                  </a:highlight>
-                  <a:latin typeface="Consolas" panose="020B0609020204030204" pitchFamily="49" charset="0"/>
-                </a:rPr>
-                <a:t> </a:t>
-              </a:r>
-              <a:r>
-                <a:rPr lang="en-GB" dirty="0">
-                  <a:solidFill>
-                    <a:srgbClr val="0000FF"/>
-                  </a:solidFill>
-                  <a:highlight>
-                    <a:srgbClr val="FFFFFF"/>
-                  </a:highlight>
-                  <a:latin typeface="Consolas" panose="020B0609020204030204" pitchFamily="49" charset="0"/>
-                </a:rPr>
-                <a:t>class</a:t>
-              </a:r>
-              <a:r>
-                <a:rPr lang="en-GB" dirty="0">
-                  <a:solidFill>
-                    <a:srgbClr val="000000"/>
-                  </a:solidFill>
-                  <a:highlight>
-                    <a:srgbClr val="FFFFFF"/>
-                  </a:highlight>
-                  <a:latin typeface="Consolas" panose="020B0609020204030204" pitchFamily="49" charset="0"/>
-                </a:rPr>
-                <a:t> </a:t>
-              </a:r>
-              <a:r>
-                <a:rPr lang="en-GB" dirty="0" smtClean="0">
-                  <a:solidFill>
-                    <a:srgbClr val="2B91AF"/>
-                  </a:solidFill>
-                  <a:highlight>
-                    <a:srgbClr val="FFFFFF"/>
-                  </a:highlight>
-                  <a:latin typeface="Consolas" panose="020B0609020204030204" pitchFamily="49" charset="0"/>
-                </a:rPr>
-                <a:t>ApplicantsController</a:t>
-              </a:r>
-              <a:r>
-                <a:rPr lang="en-GB" dirty="0" smtClean="0">
-                  <a:solidFill>
-                    <a:srgbClr val="000000"/>
-                  </a:solidFill>
-                  <a:highlight>
-                    <a:srgbClr val="FFFFFF"/>
-                  </a:highlight>
-                  <a:latin typeface="Consolas" panose="020B0609020204030204" pitchFamily="49" charset="0"/>
-                </a:rPr>
-                <a:t> </a:t>
-              </a:r>
-              <a:r>
-                <a:rPr lang="en-GB" dirty="0">
-                  <a:solidFill>
-                    <a:srgbClr val="000000"/>
-                  </a:solidFill>
-                  <a:highlight>
-                    <a:srgbClr val="FFFFFF"/>
-                  </a:highlight>
-                  <a:latin typeface="Consolas" panose="020B0609020204030204" pitchFamily="49" charset="0"/>
-                </a:rPr>
-                <a:t>: </a:t>
-              </a:r>
-              <a:r>
-                <a:rPr lang="en-GB" dirty="0" smtClean="0">
-                  <a:solidFill>
-                    <a:srgbClr val="2B91AF"/>
-                  </a:solidFill>
-                  <a:highlight>
-                    <a:srgbClr val="FFFFFF"/>
-                  </a:highlight>
-                  <a:latin typeface="Consolas" panose="020B0609020204030204" pitchFamily="49" charset="0"/>
-                </a:rPr>
-                <a:t>Controller</a:t>
-              </a:r>
-            </a:p>
-            <a:p>
-              <a:r>
-                <a:rPr lang="en-GB" dirty="0">
-                  <a:solidFill>
-                    <a:srgbClr val="000000"/>
-                  </a:solidFill>
-                  <a:highlight>
-                    <a:srgbClr val="FFFFFF"/>
-                  </a:highlight>
-                  <a:latin typeface="Consolas" panose="020B0609020204030204" pitchFamily="49" charset="0"/>
-                </a:rPr>
-                <a:t>{</a:t>
-              </a:r>
-              <a:endParaRPr lang="en-GB" dirty="0" smtClean="0">
-                <a:solidFill>
-                  <a:srgbClr val="0000FF"/>
-                </a:solidFill>
-                <a:highlight>
-                  <a:srgbClr val="FFFFFF"/>
-                </a:highlight>
-                <a:latin typeface="Consolas" panose="020B0609020204030204" pitchFamily="49" charset="0"/>
-              </a:endParaRPr>
-            </a:p>
-            <a:p>
-              <a:r>
-                <a:rPr lang="en-GB" dirty="0" smtClean="0">
-                  <a:solidFill>
-                    <a:srgbClr val="0000FF"/>
-                  </a:solidFill>
-                  <a:highlight>
-                    <a:srgbClr val="FFFFFF"/>
-                  </a:highlight>
-                  <a:latin typeface="Consolas" panose="020B0609020204030204" pitchFamily="49" charset="0"/>
-                </a:rPr>
-                <a:t>	public</a:t>
-              </a:r>
-              <a:r>
-                <a:rPr lang="en-GB" dirty="0" smtClean="0">
-                  <a:solidFill>
-                    <a:srgbClr val="000000"/>
-                  </a:solidFill>
-                  <a:highlight>
-                    <a:srgbClr val="FFFFFF"/>
-                  </a:highlight>
-                  <a:latin typeface="Consolas" panose="020B0609020204030204" pitchFamily="49" charset="0"/>
-                </a:rPr>
-                <a:t> </a:t>
-              </a:r>
-              <a:r>
-                <a:rPr lang="en-GB" dirty="0" err="1">
-                  <a:solidFill>
-                    <a:srgbClr val="2B91AF"/>
-                  </a:solidFill>
-                  <a:highlight>
-                    <a:srgbClr val="FFFFFF"/>
-                  </a:highlight>
-                  <a:latin typeface="Consolas" panose="020B0609020204030204" pitchFamily="49" charset="0"/>
-                </a:rPr>
-                <a:t>ActionResult</a:t>
-              </a:r>
-              <a:r>
-                <a:rPr lang="en-GB" dirty="0">
-                  <a:solidFill>
-                    <a:srgbClr val="000000"/>
-                  </a:solidFill>
-                  <a:highlight>
-                    <a:srgbClr val="FFFFFF"/>
-                  </a:highlight>
-                  <a:latin typeface="Consolas" panose="020B0609020204030204" pitchFamily="49" charset="0"/>
-                </a:rPr>
-                <a:t> Index()</a:t>
-              </a:r>
-            </a:p>
-            <a:p>
-              <a:r>
-                <a:rPr lang="en-GB" dirty="0" smtClean="0">
-                  <a:solidFill>
-                    <a:srgbClr val="000000"/>
-                  </a:solidFill>
-                  <a:highlight>
-                    <a:srgbClr val="FFFFFF"/>
-                  </a:highlight>
-                  <a:latin typeface="Consolas" panose="020B0609020204030204" pitchFamily="49" charset="0"/>
-                </a:rPr>
-                <a:t>	{</a:t>
-              </a:r>
-              <a:r>
-                <a:rPr lang="en-GB" dirty="0" smtClean="0">
-                  <a:solidFill>
-                    <a:srgbClr val="0000FF"/>
-                  </a:solidFill>
-                  <a:highlight>
-                    <a:srgbClr val="FFFFFF"/>
-                  </a:highlight>
-                  <a:latin typeface="Consolas" panose="020B0609020204030204" pitchFamily="49" charset="0"/>
-                </a:rPr>
-                <a:t>		</a:t>
-              </a:r>
-            </a:p>
-            <a:p>
-              <a:r>
-                <a:rPr lang="en-GB" dirty="0">
-                  <a:solidFill>
-                    <a:srgbClr val="0000FF"/>
-                  </a:solidFill>
-                  <a:highlight>
-                    <a:srgbClr val="FFFFFF"/>
-                  </a:highlight>
-                  <a:latin typeface="Consolas" panose="020B0609020204030204" pitchFamily="49" charset="0"/>
-                </a:rPr>
-                <a:t>	</a:t>
-              </a:r>
-              <a:r>
-                <a:rPr lang="en-GB" dirty="0" smtClean="0">
-                  <a:solidFill>
-                    <a:srgbClr val="0000FF"/>
-                  </a:solidFill>
-                  <a:highlight>
-                    <a:srgbClr val="FFFFFF"/>
-                  </a:highlight>
-                  <a:latin typeface="Consolas" panose="020B0609020204030204" pitchFamily="49" charset="0"/>
-                </a:rPr>
-                <a:t>	return</a:t>
-              </a:r>
-              <a:r>
-                <a:rPr lang="en-GB" dirty="0" smtClean="0">
-                  <a:solidFill>
-                    <a:srgbClr val="000000"/>
-                  </a:solidFill>
-                  <a:highlight>
-                    <a:srgbClr val="FFFFFF"/>
-                  </a:highlight>
-                  <a:latin typeface="Consolas" panose="020B0609020204030204" pitchFamily="49" charset="0"/>
-                </a:rPr>
-                <a:t> View(</a:t>
-              </a:r>
-              <a:r>
-                <a:rPr lang="en-GB" dirty="0" smtClean="0">
-                  <a:solidFill>
-                    <a:srgbClr val="A31515"/>
-                  </a:solidFill>
-                  <a:highlight>
-                    <a:srgbClr val="FFFFFF"/>
-                  </a:highlight>
-                  <a:latin typeface="Consolas" panose="020B0609020204030204" pitchFamily="49" charset="0"/>
-                </a:rPr>
-                <a:t>“</a:t>
-              </a:r>
-              <a:r>
-                <a:rPr lang="en-GB" dirty="0" err="1" smtClean="0">
-                  <a:solidFill>
-                    <a:srgbClr val="A31515"/>
-                  </a:solidFill>
-                  <a:highlight>
-                    <a:srgbClr val="FFFFFF"/>
-                  </a:highlight>
-                  <a:latin typeface="Consolas" panose="020B0609020204030204" pitchFamily="49" charset="0"/>
-                </a:rPr>
-                <a:t>all_applicants</a:t>
-              </a:r>
-              <a:r>
-                <a:rPr lang="en-GB" dirty="0" smtClean="0">
-                  <a:solidFill>
-                    <a:srgbClr val="A31515"/>
-                  </a:solidFill>
-                  <a:highlight>
-                    <a:srgbClr val="FFFFFF"/>
-                  </a:highlight>
-                  <a:latin typeface="Consolas" panose="020B0609020204030204" pitchFamily="49" charset="0"/>
-                </a:rPr>
-                <a:t>"</a:t>
-              </a:r>
-              <a:r>
-                <a:rPr lang="en-GB" dirty="0" smtClean="0">
-                  <a:solidFill>
-                    <a:srgbClr val="000000"/>
-                  </a:solidFill>
-                  <a:highlight>
-                    <a:srgbClr val="FFFFFF"/>
-                  </a:highlight>
-                  <a:latin typeface="Consolas" panose="020B0609020204030204" pitchFamily="49" charset="0"/>
-                </a:rPr>
-                <a:t>);</a:t>
-              </a:r>
-              <a:endParaRPr lang="en-GB" dirty="0">
-                <a:solidFill>
-                  <a:srgbClr val="000000"/>
-                </a:solidFill>
-                <a:highlight>
-                  <a:srgbClr val="FFFFFF"/>
-                </a:highlight>
-                <a:latin typeface="Consolas" panose="020B0609020204030204" pitchFamily="49" charset="0"/>
-              </a:endParaRPr>
-            </a:p>
-            <a:p>
-              <a:r>
-                <a:rPr lang="en-GB" dirty="0" smtClean="0">
-                  <a:solidFill>
-                    <a:srgbClr val="000000"/>
-                  </a:solidFill>
-                  <a:highlight>
-                    <a:srgbClr val="FFFFFF"/>
-                  </a:highlight>
-                  <a:latin typeface="Consolas" panose="020B0609020204030204" pitchFamily="49" charset="0"/>
-                </a:rPr>
-                <a:t>	}</a:t>
-              </a:r>
-            </a:p>
-            <a:p>
-              <a:r>
-                <a:rPr lang="en-GB" dirty="0">
-                  <a:solidFill>
-                    <a:srgbClr val="000000"/>
-                  </a:solidFill>
-                  <a:highlight>
-                    <a:srgbClr val="FFFFFF"/>
-                  </a:highlight>
-                  <a:latin typeface="Consolas" panose="020B0609020204030204" pitchFamily="49" charset="0"/>
-                </a:rPr>
-                <a:t>}</a:t>
-              </a:r>
-              <a:endParaRPr lang="en-GB" dirty="0"/>
-            </a:p>
-            <a:p>
-              <a:endParaRPr lang="en-GB" dirty="0"/>
-            </a:p>
-          </p:txBody>
-        </p:sp>
-      </p:grpSp>
-      <p:sp>
-        <p:nvSpPr>
-          <p:cNvPr id="10" name="TextBox 9"/>
-          <p:cNvSpPr txBox="1"/>
-          <p:nvPr/>
-        </p:nvSpPr>
-        <p:spPr>
-          <a:xfrm>
-            <a:off x="838200" y="4727811"/>
-            <a:ext cx="10515600" cy="1384995"/>
-          </a:xfrm>
-          <a:prstGeom prst="rect">
-            <a:avLst/>
-          </a:prstGeom>
-        </p:spPr>
-        <p:style>
-          <a:lnRef idx="3">
-            <a:schemeClr val="lt1"/>
-          </a:lnRef>
-          <a:fillRef idx="1">
-            <a:schemeClr val="accent6"/>
-          </a:fillRef>
-          <a:effectRef idx="1">
-            <a:schemeClr val="accent6"/>
-          </a:effectRef>
-          <a:fontRef idx="minor">
-            <a:schemeClr val="lt1"/>
-          </a:fontRef>
-        </p:style>
-        <p:txBody>
-          <a:bodyPr wrap="square" rtlCol="0">
-            <a:spAutoFit/>
-          </a:bodyPr>
-          <a:lstStyle/>
-          <a:p>
-            <a:r>
-              <a:rPr lang="en-US" sz="2800" dirty="0" smtClean="0">
-                <a:solidFill>
-                  <a:schemeClr val="bg1"/>
-                </a:solidFill>
-              </a:rPr>
-              <a:t>MVC</a:t>
-            </a:r>
-            <a:r>
-              <a:rPr lang="ru-RU" sz="2800" dirty="0" smtClean="0">
-                <a:solidFill>
-                  <a:schemeClr val="bg1"/>
-                </a:solidFill>
-              </a:rPr>
-              <a:t> автоматически ищет директорию </a:t>
-            </a:r>
-            <a:r>
-              <a:rPr lang="en-US" sz="2800" dirty="0" smtClean="0">
-                <a:solidFill>
-                  <a:srgbClr val="FFFF00"/>
-                </a:solidFill>
-              </a:rPr>
-              <a:t>Applicants</a:t>
-            </a:r>
-            <a:r>
-              <a:rPr lang="en-US" sz="2800" dirty="0" smtClean="0">
-                <a:solidFill>
-                  <a:schemeClr val="bg1"/>
-                </a:solidFill>
-              </a:rPr>
-              <a:t> </a:t>
-            </a:r>
-            <a:r>
-              <a:rPr lang="ru-RU" sz="2800" dirty="0" smtClean="0">
-                <a:solidFill>
-                  <a:schemeClr val="bg1"/>
-                </a:solidFill>
-              </a:rPr>
-              <a:t>по названию контроллера </a:t>
-            </a:r>
-            <a:r>
-              <a:rPr lang="en-US" sz="2800" dirty="0" smtClean="0">
-                <a:solidFill>
-                  <a:schemeClr val="bg1"/>
-                </a:solidFill>
-              </a:rPr>
-              <a:t>(</a:t>
-            </a:r>
-            <a:r>
-              <a:rPr lang="en-US" sz="2800" dirty="0" err="1" smtClean="0">
-                <a:solidFill>
-                  <a:schemeClr val="bg1"/>
-                </a:solidFill>
-              </a:rPr>
-              <a:t>ApplicantsController</a:t>
-            </a:r>
-            <a:r>
-              <a:rPr lang="en-US" sz="2800" dirty="0" smtClean="0">
-                <a:solidFill>
-                  <a:schemeClr val="bg1"/>
-                </a:solidFill>
-              </a:rPr>
-              <a:t>) </a:t>
-            </a:r>
-            <a:r>
-              <a:rPr lang="ru-RU" sz="2800" dirty="0" smtClean="0">
-                <a:solidFill>
-                  <a:schemeClr val="bg1"/>
-                </a:solidFill>
-              </a:rPr>
-              <a:t>и файл </a:t>
-            </a:r>
-            <a:r>
-              <a:rPr lang="en-US" sz="2800" dirty="0" err="1" smtClean="0">
-                <a:solidFill>
-                  <a:srgbClr val="FFFF00"/>
-                </a:solidFill>
-              </a:rPr>
-              <a:t>all_applicants.cshtml</a:t>
-            </a:r>
-            <a:r>
-              <a:rPr lang="en-US" sz="2800" dirty="0" smtClean="0">
-                <a:solidFill>
-                  <a:schemeClr val="bg1"/>
-                </a:solidFill>
-              </a:rPr>
-              <a:t>, </a:t>
-            </a:r>
-            <a:r>
-              <a:rPr lang="ru-RU" sz="2800" dirty="0" err="1" smtClean="0">
-                <a:solidFill>
-                  <a:schemeClr val="bg1"/>
-                </a:solidFill>
-              </a:rPr>
-              <a:t>т.к</a:t>
-            </a:r>
-            <a:r>
-              <a:rPr lang="ru-RU" sz="2800" dirty="0" smtClean="0">
-                <a:solidFill>
-                  <a:schemeClr val="bg1"/>
-                </a:solidFill>
-              </a:rPr>
-              <a:t> мы передали название</a:t>
-            </a:r>
-            <a:r>
-              <a:rPr lang="en-US" sz="2800" dirty="0" smtClean="0">
-                <a:solidFill>
-                  <a:schemeClr val="bg1"/>
-                </a:solidFill>
-              </a:rPr>
-              <a:t>. </a:t>
-            </a:r>
-            <a:r>
-              <a:rPr lang="ru-RU" sz="2800" dirty="0" smtClean="0">
-                <a:solidFill>
-                  <a:schemeClr val="bg1"/>
-                </a:solidFill>
-              </a:rPr>
-              <a:t>Если не нашел – ищет в директории </a:t>
-            </a:r>
-            <a:r>
-              <a:rPr lang="en-US" sz="2800" dirty="0" smtClean="0">
-                <a:solidFill>
-                  <a:srgbClr val="FFFF00"/>
-                </a:solidFill>
-              </a:rPr>
-              <a:t>Shared</a:t>
-            </a:r>
-            <a:r>
-              <a:rPr lang="en-US" sz="2800" dirty="0" smtClean="0">
-                <a:solidFill>
-                  <a:schemeClr val="bg1"/>
-                </a:solidFill>
-              </a:rPr>
-              <a:t>.</a:t>
-            </a:r>
-            <a:endParaRPr lang="en-GB" sz="2800" dirty="0">
-              <a:solidFill>
-                <a:schemeClr val="bg1"/>
-              </a:solidFill>
-            </a:endParaRPr>
+            <a:endParaRPr lang="en-GB"/>
           </a:p>
         </p:txBody>
       </p:sp>
     </p:spTree>
     <p:extLst>
       <p:ext uri="{BB962C8B-B14F-4D97-AF65-F5344CB8AC3E}">
-        <p14:creationId xmlns:p14="http://schemas.microsoft.com/office/powerpoint/2010/main" val="2065896071"/>
+        <p14:creationId xmlns:p14="http://schemas.microsoft.com/office/powerpoint/2010/main" val="2261269123"/>
       </p:ext>
     </p:extLst>
   </p:cSld>
@@ -7266,7 +8772,7 @@
           <a:p>
             <a:r>
               <a:rPr lang="en-US" dirty="0" smtClean="0"/>
-              <a:t>Razor syntax</a:t>
+              <a:t>Model Binding</a:t>
             </a:r>
             <a:endParaRPr lang="en-GB" dirty="0"/>
           </a:p>
@@ -7284,122 +8790,34 @@
         </p:nvSpPr>
         <p:spPr/>
         <p:txBody>
-          <a:bodyPr>
-            <a:normAutofit fontScale="70000" lnSpcReduction="20000"/>
-          </a:bodyPr>
-          <a:lstStyle/>
-          <a:p>
+          <a:bodyPr/>
+          <a:lstStyle/>
+          <a:p>
+            <a:r>
+              <a:rPr lang="ru-RU" dirty="0" smtClean="0"/>
+              <a:t>Проблема: нельзя ограничить поля, которыми оперирует форма.</a:t>
+            </a:r>
+          </a:p>
+          <a:p>
+            <a:r>
+              <a:rPr lang="ru-RU" dirty="0" err="1" smtClean="0"/>
+              <a:t>Решечение</a:t>
+            </a:r>
+            <a:r>
+              <a:rPr lang="ru-RU" dirty="0" smtClean="0"/>
+              <a:t>: </a:t>
+            </a:r>
+            <a:r>
+              <a:rPr lang="en-US" dirty="0" smtClean="0"/>
+              <a:t>[Bind(Include = “</a:t>
+            </a:r>
             <a:r>
               <a:rPr lang="en-US" dirty="0" err="1" smtClean="0"/>
-              <a:t>DisplayFor</a:t>
-            </a:r>
-            <a:endParaRPr lang="en-US" dirty="0" smtClean="0"/>
-          </a:p>
-          <a:p>
-            <a:pPr lvl="1"/>
-            <a:r>
-              <a:rPr lang="en-US" dirty="0" err="1" smtClean="0"/>
-              <a:t>DiplayName</a:t>
+              <a:t>SongID</a:t>
             </a:r>
             <a:r>
               <a:rPr lang="en-US" dirty="0" smtClean="0"/>
-              <a:t> attribute</a:t>
-            </a:r>
-          </a:p>
-          <a:p>
-            <a:pPr lvl="1"/>
-            <a:r>
-              <a:rPr lang="en-US" dirty="0" smtClean="0"/>
-              <a:t>Display attribute, Name property</a:t>
-            </a:r>
-          </a:p>
-          <a:p>
-            <a:r>
-              <a:rPr lang="en-US" dirty="0" err="1" smtClean="0"/>
-              <a:t>DisplayFor</a:t>
-            </a:r>
-            <a:endParaRPr lang="en-US" dirty="0" smtClean="0"/>
-          </a:p>
-          <a:p>
-            <a:pPr lvl="1"/>
-            <a:r>
-              <a:rPr lang="en-US" dirty="0" smtClean="0"/>
-              <a:t>Uses </a:t>
-            </a:r>
-            <a:r>
-              <a:rPr lang="en-US" dirty="0" err="1" smtClean="0"/>
-              <a:t>DisplayFormat</a:t>
-            </a:r>
-            <a:endParaRPr lang="en-US" dirty="0" smtClean="0"/>
-          </a:p>
-          <a:p>
-            <a:r>
-              <a:rPr lang="en-US" dirty="0" err="1" smtClean="0"/>
-              <a:t>ActionLink</a:t>
-            </a:r>
-            <a:endParaRPr lang="en-US" dirty="0" smtClean="0"/>
-          </a:p>
-          <a:p>
-            <a:r>
-              <a:rPr lang="en-US" dirty="0" err="1" smtClean="0"/>
-              <a:t>LabelFor</a:t>
-            </a:r>
-            <a:endParaRPr lang="en-US" dirty="0" smtClean="0"/>
-          </a:p>
-          <a:p>
-            <a:pPr lvl="1"/>
-            <a:r>
-              <a:rPr lang="en-US" dirty="0" smtClean="0"/>
-              <a:t>Creates a label element</a:t>
-            </a:r>
-          </a:p>
-          <a:p>
-            <a:pPr lvl="1"/>
-            <a:r>
-              <a:rPr lang="en-US" dirty="0" smtClean="0"/>
-              <a:t>Useful for touch</a:t>
-            </a:r>
-          </a:p>
-          <a:p>
-            <a:r>
-              <a:rPr lang="en-GB" dirty="0" err="1"/>
-              <a:t>EditorFor</a:t>
-            </a:r>
-            <a:endParaRPr lang="en-US" dirty="0" smtClean="0"/>
-          </a:p>
-          <a:p>
-            <a:pPr lvl="1"/>
-            <a:r>
-              <a:rPr lang="en-US" dirty="0" smtClean="0"/>
-              <a:t>Creates input element</a:t>
-            </a:r>
-          </a:p>
-          <a:p>
-            <a:pPr lvl="1"/>
-            <a:r>
-              <a:rPr lang="en-US" dirty="0" smtClean="0"/>
-              <a:t>Uses HTML5 based on </a:t>
-            </a:r>
-            <a:r>
-              <a:rPr lang="en-US" dirty="0" err="1" smtClean="0"/>
-              <a:t>DataType</a:t>
-            </a:r>
-            <a:r>
-              <a:rPr lang="en-US" dirty="0" smtClean="0"/>
-              <a:t> attribute</a:t>
-            </a:r>
-          </a:p>
-          <a:p>
-            <a:r>
-              <a:rPr lang="en-GB" dirty="0" err="1" smtClean="0"/>
-              <a:t>DropDownList</a:t>
-            </a:r>
-            <a:endParaRPr lang="en-GB" dirty="0" smtClean="0"/>
-          </a:p>
-          <a:p>
-            <a:r>
-              <a:rPr lang="en-GB" dirty="0" err="1"/>
-              <a:t>ValidationMessageFor</a:t>
+              <a:t>, Title, Length”)] Song song)</a:t>
             </a:r>
             <a:endParaRPr lang="en-GB" dirty="0"/>
           </a:p>
@@ -7477,13 +8895,20 @@
     </p:spTree>
     <p:extLst>
       <p:ext uri="{BB962C8B-B14F-4D97-AF65-F5344CB8AC3E}">
-        <p14:creationId xmlns:p14="http://schemas.microsoft.com/office/powerpoint/2010/main" val="1758010722"/>
+        <p14:creationId xmlns:p14="http://schemas.microsoft.com/office/powerpoint/2010/main" val="3973800081"/>
       </p:ext>
     </p:extLst>
   </p:cSld>
   <p:clrMapOvr>
     <a:masterClrMapping/>
   </p:clrMapOvr>
+  <p:timing>
+    <p:tnLst>
+      <p:par>
+        <p:cTn id="1" dur="indefinite" restart="never" nodeType="tmRoot"/>
+      </p:par>
+    </p:tnLst>
+  </p:timing>
 </p:sld>
 </file>
 
